--- a/프로젝트 문서/화면설계서.pptx
+++ b/프로젝트 문서/화면설계서.pptx
@@ -106,6 +106,11 @@
       </a:defRPr>
     </a:lvl9pPr>
   </p:defaultTextStyle>
+  <p:extLst>
+    <p:ext uri="{EFAFB233-063F-42B5-8137-9DF3F51BA10A}">
+      <p15:sldGuideLst xmlns:p15="http://schemas.microsoft.com/office/powerpoint/2012/main"/>
+    </p:ext>
+  </p:extLst>
 </p:presentation>
 </file>
 
@@ -256,7 +261,7 @@
           <a:p>
             <a:fld id="{1F83C9AE-7F90-4D0E-8A5B-1A94F276807B}" type="datetimeFigureOut">
               <a:rPr lang="ko-KR" altLang="en-US" smtClean="0"/>
-              <a:t>2025-02-14</a:t>
+              <a:t>2025-02-17</a:t>
             </a:fld>
             <a:endParaRPr lang="ko-KR" altLang="en-US"/>
           </a:p>
@@ -454,7 +459,7 @@
           <a:p>
             <a:fld id="{1F83C9AE-7F90-4D0E-8A5B-1A94F276807B}" type="datetimeFigureOut">
               <a:rPr lang="ko-KR" altLang="en-US" smtClean="0"/>
-              <a:t>2025-02-14</a:t>
+              <a:t>2025-02-17</a:t>
             </a:fld>
             <a:endParaRPr lang="ko-KR" altLang="en-US"/>
           </a:p>
@@ -662,7 +667,7 @@
           <a:p>
             <a:fld id="{1F83C9AE-7F90-4D0E-8A5B-1A94F276807B}" type="datetimeFigureOut">
               <a:rPr lang="ko-KR" altLang="en-US" smtClean="0"/>
-              <a:t>2025-02-14</a:t>
+              <a:t>2025-02-17</a:t>
             </a:fld>
             <a:endParaRPr lang="ko-KR" altLang="en-US"/>
           </a:p>
@@ -860,7 +865,7 @@
           <a:p>
             <a:fld id="{1F83C9AE-7F90-4D0E-8A5B-1A94F276807B}" type="datetimeFigureOut">
               <a:rPr lang="ko-KR" altLang="en-US" smtClean="0"/>
-              <a:t>2025-02-14</a:t>
+              <a:t>2025-02-17</a:t>
             </a:fld>
             <a:endParaRPr lang="ko-KR" altLang="en-US"/>
           </a:p>
@@ -1135,7 +1140,7 @@
           <a:p>
             <a:fld id="{1F83C9AE-7F90-4D0E-8A5B-1A94F276807B}" type="datetimeFigureOut">
               <a:rPr lang="ko-KR" altLang="en-US" smtClean="0"/>
-              <a:t>2025-02-14</a:t>
+              <a:t>2025-02-17</a:t>
             </a:fld>
             <a:endParaRPr lang="ko-KR" altLang="en-US"/>
           </a:p>
@@ -1400,7 +1405,7 @@
           <a:p>
             <a:fld id="{1F83C9AE-7F90-4D0E-8A5B-1A94F276807B}" type="datetimeFigureOut">
               <a:rPr lang="ko-KR" altLang="en-US" smtClean="0"/>
-              <a:t>2025-02-14</a:t>
+              <a:t>2025-02-17</a:t>
             </a:fld>
             <a:endParaRPr lang="ko-KR" altLang="en-US"/>
           </a:p>
@@ -1812,7 +1817,7 @@
           <a:p>
             <a:fld id="{1F83C9AE-7F90-4D0E-8A5B-1A94F276807B}" type="datetimeFigureOut">
               <a:rPr lang="ko-KR" altLang="en-US" smtClean="0"/>
-              <a:t>2025-02-14</a:t>
+              <a:t>2025-02-17</a:t>
             </a:fld>
             <a:endParaRPr lang="ko-KR" altLang="en-US"/>
           </a:p>
@@ -1953,7 +1958,7 @@
           <a:p>
             <a:fld id="{1F83C9AE-7F90-4D0E-8A5B-1A94F276807B}" type="datetimeFigureOut">
               <a:rPr lang="ko-KR" altLang="en-US" smtClean="0"/>
-              <a:t>2025-02-14</a:t>
+              <a:t>2025-02-17</a:t>
             </a:fld>
             <a:endParaRPr lang="ko-KR" altLang="en-US"/>
           </a:p>
@@ -2066,7 +2071,7 @@
           <a:p>
             <a:fld id="{1F83C9AE-7F90-4D0E-8A5B-1A94F276807B}" type="datetimeFigureOut">
               <a:rPr lang="ko-KR" altLang="en-US" smtClean="0"/>
-              <a:t>2025-02-14</a:t>
+              <a:t>2025-02-17</a:t>
             </a:fld>
             <a:endParaRPr lang="ko-KR" altLang="en-US"/>
           </a:p>
@@ -2377,7 +2382,7 @@
           <a:p>
             <a:fld id="{1F83C9AE-7F90-4D0E-8A5B-1A94F276807B}" type="datetimeFigureOut">
               <a:rPr lang="ko-KR" altLang="en-US" smtClean="0"/>
-              <a:t>2025-02-14</a:t>
+              <a:t>2025-02-17</a:t>
             </a:fld>
             <a:endParaRPr lang="ko-KR" altLang="en-US"/>
           </a:p>
@@ -2665,7 +2670,7 @@
           <a:p>
             <a:fld id="{1F83C9AE-7F90-4D0E-8A5B-1A94F276807B}" type="datetimeFigureOut">
               <a:rPr lang="ko-KR" altLang="en-US" smtClean="0"/>
-              <a:t>2025-02-14</a:t>
+              <a:t>2025-02-17</a:t>
             </a:fld>
             <a:endParaRPr lang="ko-KR" altLang="en-US"/>
           </a:p>
@@ -2906,7 +2911,7 @@
           <a:p>
             <a:fld id="{1F83C9AE-7F90-4D0E-8A5B-1A94F276807B}" type="datetimeFigureOut">
               <a:rPr lang="ko-KR" altLang="en-US" smtClean="0"/>
-              <a:t>2025-02-14</a:t>
+              <a:t>2025-02-17</a:t>
             </a:fld>
             <a:endParaRPr lang="ko-KR" altLang="en-US"/>
           </a:p>
@@ -3481,6 +3486,31 @@
             <a:endParaRPr lang="en-US" altLang="ko-KR" dirty="0"/>
           </a:p>
           <a:p>
+            <a:pPr>
+              <a:buFontTx/>
+              <a:buChar char="-"/>
+            </a:pPr>
+            <a:r>
+              <a:rPr lang="ko-KR" altLang="en-US" dirty="0"/>
+              <a:t>아이콘 클릭 </a:t>
+            </a:r>
+            <a:endParaRPr lang="en-US" altLang="ko-KR" dirty="0"/>
+          </a:p>
+          <a:p>
+            <a:pPr marL="0" indent="0">
+              <a:buNone/>
+            </a:pPr>
+            <a:r>
+              <a:rPr lang="en-US" altLang="ko-KR" dirty="0"/>
+              <a:t>-&gt; </a:t>
+            </a:r>
+            <a:r>
+              <a:rPr lang="ko-KR" altLang="en-US" dirty="0"/>
+              <a:t>지역 정보 박스 표시</a:t>
+            </a:r>
+            <a:endParaRPr lang="en-US" altLang="ko-KR" dirty="0"/>
+          </a:p>
+          <a:p>
             <a:pPr marL="0" indent="0">
               <a:buNone/>
             </a:pPr>
@@ -3490,12 +3520,6 @@
             <a:pPr marL="0" indent="0">
               <a:buNone/>
             </a:pPr>
-            <a:endParaRPr lang="en-US" altLang="ko-KR" dirty="0"/>
-          </a:p>
-          <a:p>
-            <a:pPr marL="0" indent="0">
-              <a:buNone/>
-            </a:pPr>
             <a:r>
               <a:rPr lang="en-US" altLang="ko-KR" dirty="0"/>
               <a:t>2. </a:t>
@@ -3507,9 +3531,28 @@
             <a:endParaRPr lang="en-US" altLang="ko-KR" dirty="0"/>
           </a:p>
           <a:p>
+            <a:pPr>
+              <a:buFontTx/>
+              <a:buChar char="-"/>
+            </a:pPr>
+            <a:r>
+              <a:rPr lang="ko-KR" altLang="en-US" dirty="0"/>
+              <a:t>연도 클릭 </a:t>
+            </a:r>
+            <a:endParaRPr lang="en-US" altLang="ko-KR" dirty="0"/>
+          </a:p>
+          <a:p>
             <a:pPr marL="0" indent="0">
               <a:buNone/>
             </a:pPr>
+            <a:r>
+              <a:rPr lang="en-US" altLang="ko-KR" dirty="0"/>
+              <a:t>-&gt; </a:t>
+            </a:r>
+            <a:r>
+              <a:rPr lang="ko-KR" altLang="en-US"/>
+              <a:t>해당 연도 정보 구현</a:t>
+            </a:r>
             <a:endParaRPr lang="en-US" altLang="ko-KR" dirty="0"/>
           </a:p>
         </p:txBody>
@@ -3654,6 +3697,20 @@
             <a:pPr marL="0" indent="0">
               <a:buNone/>
             </a:pPr>
+            <a:r>
+              <a:rPr lang="en-US" altLang="ko-KR" dirty="0"/>
+              <a:t>-&gt; </a:t>
+            </a:r>
+            <a:r>
+              <a:rPr lang="ko-KR" altLang="en-US" dirty="0"/>
+              <a:t>메인 화면 통계 소개</a:t>
+            </a:r>
+            <a:endParaRPr lang="en-US" altLang="ko-KR" dirty="0"/>
+          </a:p>
+          <a:p>
+            <a:pPr marL="0" indent="0">
+              <a:buNone/>
+            </a:pPr>
             <a:endParaRPr lang="en-US" altLang="ko-KR" dirty="0"/>
           </a:p>
           <a:p>
@@ -3667,6 +3724,30 @@
             <a:r>
               <a:rPr lang="ko-KR" altLang="en-US" dirty="0"/>
               <a:t>자주하는 질문과 답변</a:t>
+            </a:r>
+            <a:endParaRPr lang="en-US" altLang="ko-KR" dirty="0"/>
+          </a:p>
+          <a:p>
+            <a:pPr marL="0" indent="0">
+              <a:buNone/>
+            </a:pPr>
+            <a:r>
+              <a:rPr lang="en-US" altLang="ko-KR" dirty="0"/>
+              <a:t>-&gt; + </a:t>
+            </a:r>
+            <a:r>
+              <a:rPr lang="ko-KR" altLang="en-US" dirty="0"/>
+              <a:t>누르면 답변이 </a:t>
+            </a:r>
+            <a:endParaRPr lang="en-US" altLang="ko-KR"/>
+          </a:p>
+          <a:p>
+            <a:pPr marL="0" indent="0">
+              <a:buNone/>
+            </a:pPr>
+            <a:r>
+              <a:rPr lang="ko-KR" altLang="en-US"/>
+              <a:t>나오게 함</a:t>
             </a:r>
             <a:endParaRPr lang="en-US" altLang="ko-KR" dirty="0"/>
           </a:p>

--- a/프로젝트 문서/화면설계서.pptx
+++ b/프로젝트 문서/화면설계서.pptx
@@ -4,10 +4,20 @@
   <p:sldMasterIdLst>
     <p:sldMasterId id="2147483648" r:id="rId1"/>
   </p:sldMasterIdLst>
+  <p:notesMasterIdLst>
+    <p:notesMasterId r:id="rId12"/>
+  </p:notesMasterIdLst>
   <p:sldIdLst>
     <p:sldId id="256" r:id="rId2"/>
     <p:sldId id="257" r:id="rId3"/>
     <p:sldId id="258" r:id="rId4"/>
+    <p:sldId id="259" r:id="rId5"/>
+    <p:sldId id="264" r:id="rId6"/>
+    <p:sldId id="265" r:id="rId7"/>
+    <p:sldId id="260" r:id="rId8"/>
+    <p:sldId id="261" r:id="rId9"/>
+    <p:sldId id="262" r:id="rId10"/>
+    <p:sldId id="263" r:id="rId11"/>
   </p:sldIdLst>
   <p:sldSz cx="12192000" cy="6858000"/>
   <p:notesSz cx="6858000" cy="9144000"/>
@@ -114,6 +124,439 @@
 </p:presentation>
 </file>
 
+<file path=ppt/notesMasters/notesMaster1.xml><?xml version="1.0" encoding="utf-8"?>
+<p:notesMaster xmlns:a="http://schemas.openxmlformats.org/drawingml/2006/main" xmlns:r="http://schemas.openxmlformats.org/officeDocument/2006/relationships" xmlns:p="http://schemas.openxmlformats.org/presentationml/2006/main">
+  <p:cSld>
+    <p:bg>
+      <p:bgRef idx="1001">
+        <a:schemeClr val="bg1"/>
+      </p:bgRef>
+    </p:bg>
+    <p:spTree>
+      <p:nvGrpSpPr>
+        <p:cNvPr id="1" name=""/>
+        <p:cNvGrpSpPr/>
+        <p:nvPr/>
+      </p:nvGrpSpPr>
+      <p:grpSpPr>
+        <a:xfrm>
+          <a:off x="0" y="0"/>
+          <a:ext cx="0" cy="0"/>
+          <a:chOff x="0" y="0"/>
+          <a:chExt cx="0" cy="0"/>
+        </a:xfrm>
+      </p:grpSpPr>
+      <p:sp>
+        <p:nvSpPr>
+          <p:cNvPr id="2" name="머리글 개체 틀 1"/>
+          <p:cNvSpPr>
+            <a:spLocks noGrp="1"/>
+          </p:cNvSpPr>
+          <p:nvPr>
+            <p:ph type="hdr" sz="quarter"/>
+          </p:nvPr>
+        </p:nvSpPr>
+        <p:spPr>
+          <a:xfrm>
+            <a:off x="0" y="0"/>
+            <a:ext cx="2971800" cy="458788"/>
+          </a:xfrm>
+          <a:prstGeom prst="rect">
+            <a:avLst/>
+          </a:prstGeom>
+        </p:spPr>
+        <p:txBody>
+          <a:bodyPr vert="horz" lIns="91440" tIns="45720" rIns="91440" bIns="45720" rtlCol="0"/>
+          <a:lstStyle>
+            <a:lvl1pPr algn="l">
+              <a:defRPr sz="1200"/>
+            </a:lvl1pPr>
+          </a:lstStyle>
+          <a:p>
+            <a:endParaRPr lang="ko-KR" altLang="en-US"/>
+          </a:p>
+        </p:txBody>
+      </p:sp>
+      <p:sp>
+        <p:nvSpPr>
+          <p:cNvPr id="3" name="날짜 개체 틀 2"/>
+          <p:cNvSpPr>
+            <a:spLocks noGrp="1"/>
+          </p:cNvSpPr>
+          <p:nvPr>
+            <p:ph type="dt" idx="1"/>
+          </p:nvPr>
+        </p:nvSpPr>
+        <p:spPr>
+          <a:xfrm>
+            <a:off x="3884613" y="0"/>
+            <a:ext cx="2971800" cy="458788"/>
+          </a:xfrm>
+          <a:prstGeom prst="rect">
+            <a:avLst/>
+          </a:prstGeom>
+        </p:spPr>
+        <p:txBody>
+          <a:bodyPr vert="horz" lIns="91440" tIns="45720" rIns="91440" bIns="45720" rtlCol="0"/>
+          <a:lstStyle>
+            <a:lvl1pPr algn="r">
+              <a:defRPr sz="1200"/>
+            </a:lvl1pPr>
+          </a:lstStyle>
+          <a:p>
+            <a:fld id="{BC36A0AE-D2F7-47D9-A0F6-5F7F8EE97D0C}" type="datetimeFigureOut">
+              <a:rPr lang="ko-KR" altLang="en-US" smtClean="0"/>
+              <a:t>2025-03-17</a:t>
+            </a:fld>
+            <a:endParaRPr lang="ko-KR" altLang="en-US"/>
+          </a:p>
+        </p:txBody>
+      </p:sp>
+      <p:sp>
+        <p:nvSpPr>
+          <p:cNvPr id="4" name="슬라이드 이미지 개체 틀 3"/>
+          <p:cNvSpPr>
+            <a:spLocks noGrp="1" noRot="1" noChangeAspect="1"/>
+          </p:cNvSpPr>
+          <p:nvPr>
+            <p:ph type="sldImg" idx="2"/>
+          </p:nvPr>
+        </p:nvSpPr>
+        <p:spPr>
+          <a:xfrm>
+            <a:off x="685800" y="1143000"/>
+            <a:ext cx="5486400" cy="3086100"/>
+          </a:xfrm>
+          <a:prstGeom prst="rect">
+            <a:avLst/>
+          </a:prstGeom>
+          <a:noFill/>
+          <a:ln w="12700">
+            <a:solidFill>
+              <a:prstClr val="black"/>
+            </a:solidFill>
+          </a:ln>
+        </p:spPr>
+        <p:txBody>
+          <a:bodyPr vert="horz" lIns="91440" tIns="45720" rIns="91440" bIns="45720" rtlCol="0" anchor="ctr"/>
+          <a:lstStyle/>
+          <a:p>
+            <a:endParaRPr lang="ko-KR" altLang="en-US"/>
+          </a:p>
+        </p:txBody>
+      </p:sp>
+      <p:sp>
+        <p:nvSpPr>
+          <p:cNvPr id="5" name="슬라이드 노트 개체 틀 4"/>
+          <p:cNvSpPr>
+            <a:spLocks noGrp="1"/>
+          </p:cNvSpPr>
+          <p:nvPr>
+            <p:ph type="body" sz="quarter" idx="3"/>
+          </p:nvPr>
+        </p:nvSpPr>
+        <p:spPr>
+          <a:xfrm>
+            <a:off x="685800" y="4400550"/>
+            <a:ext cx="5486400" cy="3600450"/>
+          </a:xfrm>
+          <a:prstGeom prst="rect">
+            <a:avLst/>
+          </a:prstGeom>
+        </p:spPr>
+        <p:txBody>
+          <a:bodyPr vert="horz" lIns="91440" tIns="45720" rIns="91440" bIns="45720" rtlCol="0"/>
+          <a:lstStyle/>
+          <a:p>
+            <a:pPr lvl="0"/>
+            <a:r>
+              <a:rPr lang="ko-KR" altLang="en-US"/>
+              <a:t>마스터 텍스트 스타일 편집</a:t>
+            </a:r>
+          </a:p>
+          <a:p>
+            <a:pPr lvl="1"/>
+            <a:r>
+              <a:rPr lang="ko-KR" altLang="en-US"/>
+              <a:t>둘째 수준</a:t>
+            </a:r>
+          </a:p>
+          <a:p>
+            <a:pPr lvl="2"/>
+            <a:r>
+              <a:rPr lang="ko-KR" altLang="en-US"/>
+              <a:t>셋째 수준</a:t>
+            </a:r>
+          </a:p>
+          <a:p>
+            <a:pPr lvl="3"/>
+            <a:r>
+              <a:rPr lang="ko-KR" altLang="en-US"/>
+              <a:t>넷째 수준</a:t>
+            </a:r>
+          </a:p>
+          <a:p>
+            <a:pPr lvl="4"/>
+            <a:r>
+              <a:rPr lang="ko-KR" altLang="en-US"/>
+              <a:t>다섯째 수준</a:t>
+            </a:r>
+          </a:p>
+        </p:txBody>
+      </p:sp>
+      <p:sp>
+        <p:nvSpPr>
+          <p:cNvPr id="6" name="바닥글 개체 틀 5"/>
+          <p:cNvSpPr>
+            <a:spLocks noGrp="1"/>
+          </p:cNvSpPr>
+          <p:nvPr>
+            <p:ph type="ftr" sz="quarter" idx="4"/>
+          </p:nvPr>
+        </p:nvSpPr>
+        <p:spPr>
+          <a:xfrm>
+            <a:off x="0" y="8685213"/>
+            <a:ext cx="2971800" cy="458787"/>
+          </a:xfrm>
+          <a:prstGeom prst="rect">
+            <a:avLst/>
+          </a:prstGeom>
+        </p:spPr>
+        <p:txBody>
+          <a:bodyPr vert="horz" lIns="91440" tIns="45720" rIns="91440" bIns="45720" rtlCol="0" anchor="b"/>
+          <a:lstStyle>
+            <a:lvl1pPr algn="l">
+              <a:defRPr sz="1200"/>
+            </a:lvl1pPr>
+          </a:lstStyle>
+          <a:p>
+            <a:endParaRPr lang="ko-KR" altLang="en-US"/>
+          </a:p>
+        </p:txBody>
+      </p:sp>
+      <p:sp>
+        <p:nvSpPr>
+          <p:cNvPr id="7" name="슬라이드 번호 개체 틀 6"/>
+          <p:cNvSpPr>
+            <a:spLocks noGrp="1"/>
+          </p:cNvSpPr>
+          <p:nvPr>
+            <p:ph type="sldNum" sz="quarter" idx="5"/>
+          </p:nvPr>
+        </p:nvSpPr>
+        <p:spPr>
+          <a:xfrm>
+            <a:off x="3884613" y="8685213"/>
+            <a:ext cx="2971800" cy="458787"/>
+          </a:xfrm>
+          <a:prstGeom prst="rect">
+            <a:avLst/>
+          </a:prstGeom>
+        </p:spPr>
+        <p:txBody>
+          <a:bodyPr vert="horz" lIns="91440" tIns="45720" rIns="91440" bIns="45720" rtlCol="0" anchor="b"/>
+          <a:lstStyle>
+            <a:lvl1pPr algn="r">
+              <a:defRPr sz="1200"/>
+            </a:lvl1pPr>
+          </a:lstStyle>
+          <a:p>
+            <a:fld id="{D0747551-9BE9-404A-A822-E567449FE505}" type="slidenum">
+              <a:rPr lang="ko-KR" altLang="en-US" smtClean="0"/>
+              <a:t>‹#›</a:t>
+            </a:fld>
+            <a:endParaRPr lang="ko-KR" altLang="en-US"/>
+          </a:p>
+        </p:txBody>
+      </p:sp>
+    </p:spTree>
+    <p:extLst>
+      <p:ext uri="{BB962C8B-B14F-4D97-AF65-F5344CB8AC3E}">
+        <p14:creationId xmlns:p14="http://schemas.microsoft.com/office/powerpoint/2010/main" val="3259289961"/>
+      </p:ext>
+    </p:extLst>
+  </p:cSld>
+  <p:clrMap bg1="lt1" tx1="dk1" bg2="lt2" tx2="dk2" accent1="accent1" accent2="accent2" accent3="accent3" accent4="accent4" accent5="accent5" accent6="accent6" hlink="hlink" folHlink="folHlink"/>
+  <p:notesStyle>
+    <a:lvl1pPr marL="0" algn="l" defTabSz="914400" rtl="0" eaLnBrk="1" latinLnBrk="1" hangingPunct="1">
+      <a:defRPr sz="1200" kern="1200">
+        <a:solidFill>
+          <a:schemeClr val="tx1"/>
+        </a:solidFill>
+        <a:latin typeface="+mn-lt"/>
+        <a:ea typeface="+mn-ea"/>
+        <a:cs typeface="+mn-cs"/>
+      </a:defRPr>
+    </a:lvl1pPr>
+    <a:lvl2pPr marL="457200" algn="l" defTabSz="914400" rtl="0" eaLnBrk="1" latinLnBrk="1" hangingPunct="1">
+      <a:defRPr sz="1200" kern="1200">
+        <a:solidFill>
+          <a:schemeClr val="tx1"/>
+        </a:solidFill>
+        <a:latin typeface="+mn-lt"/>
+        <a:ea typeface="+mn-ea"/>
+        <a:cs typeface="+mn-cs"/>
+      </a:defRPr>
+    </a:lvl2pPr>
+    <a:lvl3pPr marL="914400" algn="l" defTabSz="914400" rtl="0" eaLnBrk="1" latinLnBrk="1" hangingPunct="1">
+      <a:defRPr sz="1200" kern="1200">
+        <a:solidFill>
+          <a:schemeClr val="tx1"/>
+        </a:solidFill>
+        <a:latin typeface="+mn-lt"/>
+        <a:ea typeface="+mn-ea"/>
+        <a:cs typeface="+mn-cs"/>
+      </a:defRPr>
+    </a:lvl3pPr>
+    <a:lvl4pPr marL="1371600" algn="l" defTabSz="914400" rtl="0" eaLnBrk="1" latinLnBrk="1" hangingPunct="1">
+      <a:defRPr sz="1200" kern="1200">
+        <a:solidFill>
+          <a:schemeClr val="tx1"/>
+        </a:solidFill>
+        <a:latin typeface="+mn-lt"/>
+        <a:ea typeface="+mn-ea"/>
+        <a:cs typeface="+mn-cs"/>
+      </a:defRPr>
+    </a:lvl4pPr>
+    <a:lvl5pPr marL="1828800" algn="l" defTabSz="914400" rtl="0" eaLnBrk="1" latinLnBrk="1" hangingPunct="1">
+      <a:defRPr sz="1200" kern="1200">
+        <a:solidFill>
+          <a:schemeClr val="tx1"/>
+        </a:solidFill>
+        <a:latin typeface="+mn-lt"/>
+        <a:ea typeface="+mn-ea"/>
+        <a:cs typeface="+mn-cs"/>
+      </a:defRPr>
+    </a:lvl5pPr>
+    <a:lvl6pPr marL="2286000" algn="l" defTabSz="914400" rtl="0" eaLnBrk="1" latinLnBrk="1" hangingPunct="1">
+      <a:defRPr sz="1200" kern="1200">
+        <a:solidFill>
+          <a:schemeClr val="tx1"/>
+        </a:solidFill>
+        <a:latin typeface="+mn-lt"/>
+        <a:ea typeface="+mn-ea"/>
+        <a:cs typeface="+mn-cs"/>
+      </a:defRPr>
+    </a:lvl6pPr>
+    <a:lvl7pPr marL="2743200" algn="l" defTabSz="914400" rtl="0" eaLnBrk="1" latinLnBrk="1" hangingPunct="1">
+      <a:defRPr sz="1200" kern="1200">
+        <a:solidFill>
+          <a:schemeClr val="tx1"/>
+        </a:solidFill>
+        <a:latin typeface="+mn-lt"/>
+        <a:ea typeface="+mn-ea"/>
+        <a:cs typeface="+mn-cs"/>
+      </a:defRPr>
+    </a:lvl7pPr>
+    <a:lvl8pPr marL="3200400" algn="l" defTabSz="914400" rtl="0" eaLnBrk="1" latinLnBrk="1" hangingPunct="1">
+      <a:defRPr sz="1200" kern="1200">
+        <a:solidFill>
+          <a:schemeClr val="tx1"/>
+        </a:solidFill>
+        <a:latin typeface="+mn-lt"/>
+        <a:ea typeface="+mn-ea"/>
+        <a:cs typeface="+mn-cs"/>
+      </a:defRPr>
+    </a:lvl8pPr>
+    <a:lvl9pPr marL="3657600" algn="l" defTabSz="914400" rtl="0" eaLnBrk="1" latinLnBrk="1" hangingPunct="1">
+      <a:defRPr sz="1200" kern="1200">
+        <a:solidFill>
+          <a:schemeClr val="tx1"/>
+        </a:solidFill>
+        <a:latin typeface="+mn-lt"/>
+        <a:ea typeface="+mn-ea"/>
+        <a:cs typeface="+mn-cs"/>
+      </a:defRPr>
+    </a:lvl9pPr>
+  </p:notesStyle>
+</p:notesMaster>
+</file>
+
+<file path=ppt/notesSlides/notesSlide1.xml><?xml version="1.0" encoding="utf-8"?>
+<p:notes xmlns:a="http://schemas.openxmlformats.org/drawingml/2006/main" xmlns:r="http://schemas.openxmlformats.org/officeDocument/2006/relationships" xmlns:p="http://schemas.openxmlformats.org/presentationml/2006/main">
+  <p:cSld>
+    <p:spTree>
+      <p:nvGrpSpPr>
+        <p:cNvPr id="1" name=""/>
+        <p:cNvGrpSpPr/>
+        <p:nvPr/>
+      </p:nvGrpSpPr>
+      <p:grpSpPr>
+        <a:xfrm>
+          <a:off x="0" y="0"/>
+          <a:ext cx="0" cy="0"/>
+          <a:chOff x="0" y="0"/>
+          <a:chExt cx="0" cy="0"/>
+        </a:xfrm>
+      </p:grpSpPr>
+      <p:sp>
+        <p:nvSpPr>
+          <p:cNvPr id="2" name="슬라이드 이미지 개체 틀 1"/>
+          <p:cNvSpPr>
+            <a:spLocks noGrp="1" noRot="1" noChangeAspect="1"/>
+          </p:cNvSpPr>
+          <p:nvPr>
+            <p:ph type="sldImg"/>
+          </p:nvPr>
+        </p:nvSpPr>
+        <p:spPr/>
+      </p:sp>
+      <p:sp>
+        <p:nvSpPr>
+          <p:cNvPr id="3" name="슬라이드 노트 개체 틀 2"/>
+          <p:cNvSpPr>
+            <a:spLocks noGrp="1"/>
+          </p:cNvSpPr>
+          <p:nvPr>
+            <p:ph type="body" idx="1"/>
+          </p:nvPr>
+        </p:nvSpPr>
+        <p:spPr/>
+        <p:txBody>
+          <a:bodyPr/>
+          <a:lstStyle/>
+          <a:p>
+            <a:endParaRPr lang="ko-KR" altLang="en-US" dirty="0"/>
+          </a:p>
+        </p:txBody>
+      </p:sp>
+      <p:sp>
+        <p:nvSpPr>
+          <p:cNvPr id="4" name="슬라이드 번호 개체 틀 3"/>
+          <p:cNvSpPr>
+            <a:spLocks noGrp="1"/>
+          </p:cNvSpPr>
+          <p:nvPr>
+            <p:ph type="sldNum" sz="quarter" idx="5"/>
+          </p:nvPr>
+        </p:nvSpPr>
+        <p:spPr/>
+        <p:txBody>
+          <a:bodyPr/>
+          <a:lstStyle/>
+          <a:p>
+            <a:fld id="{D0747551-9BE9-404A-A822-E567449FE505}" type="slidenum">
+              <a:rPr lang="ko-KR" altLang="en-US" smtClean="0"/>
+              <a:t>9</a:t>
+            </a:fld>
+            <a:endParaRPr lang="ko-KR" altLang="en-US"/>
+          </a:p>
+        </p:txBody>
+      </p:sp>
+    </p:spTree>
+    <p:extLst>
+      <p:ext uri="{BB962C8B-B14F-4D97-AF65-F5344CB8AC3E}">
+        <p14:creationId xmlns:p14="http://schemas.microsoft.com/office/powerpoint/2010/main" val="2618270478"/>
+      </p:ext>
+    </p:extLst>
+  </p:cSld>
+  <p:clrMapOvr>
+    <a:masterClrMapping/>
+  </p:clrMapOvr>
+</p:notes>
+</file>
+
 <file path=ppt/slideLayouts/slideLayout1.xml><?xml version="1.0" encoding="utf-8"?>
 <p:sldLayout xmlns:a="http://schemas.openxmlformats.org/drawingml/2006/main" xmlns:r="http://schemas.openxmlformats.org/officeDocument/2006/relationships" xmlns:p="http://schemas.openxmlformats.org/presentationml/2006/main" type="title" preserve="1">
   <p:cSld name="제목 슬라이드">
@@ -261,7 +704,7 @@
           <a:p>
             <a:fld id="{1F83C9AE-7F90-4D0E-8A5B-1A94F276807B}" type="datetimeFigureOut">
               <a:rPr lang="ko-KR" altLang="en-US" smtClean="0"/>
-              <a:t>2025-02-17</a:t>
+              <a:t>2025-03-17</a:t>
             </a:fld>
             <a:endParaRPr lang="ko-KR" altLang="en-US"/>
           </a:p>
@@ -459,7 +902,7 @@
           <a:p>
             <a:fld id="{1F83C9AE-7F90-4D0E-8A5B-1A94F276807B}" type="datetimeFigureOut">
               <a:rPr lang="ko-KR" altLang="en-US" smtClean="0"/>
-              <a:t>2025-02-17</a:t>
+              <a:t>2025-03-17</a:t>
             </a:fld>
             <a:endParaRPr lang="ko-KR" altLang="en-US"/>
           </a:p>
@@ -667,7 +1110,7 @@
           <a:p>
             <a:fld id="{1F83C9AE-7F90-4D0E-8A5B-1A94F276807B}" type="datetimeFigureOut">
               <a:rPr lang="ko-KR" altLang="en-US" smtClean="0"/>
-              <a:t>2025-02-17</a:t>
+              <a:t>2025-03-17</a:t>
             </a:fld>
             <a:endParaRPr lang="ko-KR" altLang="en-US"/>
           </a:p>
@@ -865,7 +1308,7 @@
           <a:p>
             <a:fld id="{1F83C9AE-7F90-4D0E-8A5B-1A94F276807B}" type="datetimeFigureOut">
               <a:rPr lang="ko-KR" altLang="en-US" smtClean="0"/>
-              <a:t>2025-02-17</a:t>
+              <a:t>2025-03-17</a:t>
             </a:fld>
             <a:endParaRPr lang="ko-KR" altLang="en-US"/>
           </a:p>
@@ -1140,7 +1583,7 @@
           <a:p>
             <a:fld id="{1F83C9AE-7F90-4D0E-8A5B-1A94F276807B}" type="datetimeFigureOut">
               <a:rPr lang="ko-KR" altLang="en-US" smtClean="0"/>
-              <a:t>2025-02-17</a:t>
+              <a:t>2025-03-17</a:t>
             </a:fld>
             <a:endParaRPr lang="ko-KR" altLang="en-US"/>
           </a:p>
@@ -1405,7 +1848,7 @@
           <a:p>
             <a:fld id="{1F83C9AE-7F90-4D0E-8A5B-1A94F276807B}" type="datetimeFigureOut">
               <a:rPr lang="ko-KR" altLang="en-US" smtClean="0"/>
-              <a:t>2025-02-17</a:t>
+              <a:t>2025-03-17</a:t>
             </a:fld>
             <a:endParaRPr lang="ko-KR" altLang="en-US"/>
           </a:p>
@@ -1817,7 +2260,7 @@
           <a:p>
             <a:fld id="{1F83C9AE-7F90-4D0E-8A5B-1A94F276807B}" type="datetimeFigureOut">
               <a:rPr lang="ko-KR" altLang="en-US" smtClean="0"/>
-              <a:t>2025-02-17</a:t>
+              <a:t>2025-03-17</a:t>
             </a:fld>
             <a:endParaRPr lang="ko-KR" altLang="en-US"/>
           </a:p>
@@ -1958,7 +2401,7 @@
           <a:p>
             <a:fld id="{1F83C9AE-7F90-4D0E-8A5B-1A94F276807B}" type="datetimeFigureOut">
               <a:rPr lang="ko-KR" altLang="en-US" smtClean="0"/>
-              <a:t>2025-02-17</a:t>
+              <a:t>2025-03-17</a:t>
             </a:fld>
             <a:endParaRPr lang="ko-KR" altLang="en-US"/>
           </a:p>
@@ -2071,7 +2514,7 @@
           <a:p>
             <a:fld id="{1F83C9AE-7F90-4D0E-8A5B-1A94F276807B}" type="datetimeFigureOut">
               <a:rPr lang="ko-KR" altLang="en-US" smtClean="0"/>
-              <a:t>2025-02-17</a:t>
+              <a:t>2025-03-17</a:t>
             </a:fld>
             <a:endParaRPr lang="ko-KR" altLang="en-US"/>
           </a:p>
@@ -2382,7 +2825,7 @@
           <a:p>
             <a:fld id="{1F83C9AE-7F90-4D0E-8A5B-1A94F276807B}" type="datetimeFigureOut">
               <a:rPr lang="ko-KR" altLang="en-US" smtClean="0"/>
-              <a:t>2025-02-17</a:t>
+              <a:t>2025-03-17</a:t>
             </a:fld>
             <a:endParaRPr lang="ko-KR" altLang="en-US"/>
           </a:p>
@@ -2670,7 +3113,7 @@
           <a:p>
             <a:fld id="{1F83C9AE-7F90-4D0E-8A5B-1A94F276807B}" type="datetimeFigureOut">
               <a:rPr lang="ko-KR" altLang="en-US" smtClean="0"/>
-              <a:t>2025-02-17</a:t>
+              <a:t>2025-03-17</a:t>
             </a:fld>
             <a:endParaRPr lang="ko-KR" altLang="en-US"/>
           </a:p>
@@ -2911,7 +3354,7 @@
           <a:p>
             <a:fld id="{1F83C9AE-7F90-4D0E-8A5B-1A94F276807B}" type="datetimeFigureOut">
               <a:rPr lang="ko-KR" altLang="en-US" smtClean="0"/>
-              <a:t>2025-02-17</a:t>
+              <a:t>2025-03-17</a:t>
             </a:fld>
             <a:endParaRPr lang="ko-KR" altLang="en-US"/>
           </a:p>
@@ -3405,6 +3848,137 @@
 </p:sld>
 </file>
 
+<file path=ppt/slides/slide10.xml><?xml version="1.0" encoding="utf-8"?>
+<p:sld xmlns:a="http://schemas.openxmlformats.org/drawingml/2006/main" xmlns:r="http://schemas.openxmlformats.org/officeDocument/2006/relationships" xmlns:p="http://schemas.openxmlformats.org/presentationml/2006/main">
+  <p:cSld>
+    <p:spTree>
+      <p:nvGrpSpPr>
+        <p:cNvPr id="1" name=""/>
+        <p:cNvGrpSpPr/>
+        <p:nvPr/>
+      </p:nvGrpSpPr>
+      <p:grpSpPr>
+        <a:xfrm>
+          <a:off x="0" y="0"/>
+          <a:ext cx="0" cy="0"/>
+          <a:chOff x="0" y="0"/>
+          <a:chExt cx="0" cy="0"/>
+        </a:xfrm>
+      </p:grpSpPr>
+      <p:sp>
+        <p:nvSpPr>
+          <p:cNvPr id="2" name="제목 1">
+            <a:extLst>
+              <a:ext uri="{FF2B5EF4-FFF2-40B4-BE49-F238E27FC236}">
+                <a16:creationId xmlns:a16="http://schemas.microsoft.com/office/drawing/2014/main" id="{C87E13C6-61A0-4BE8-990A-8611EC31AFAC}"/>
+              </a:ext>
+            </a:extLst>
+          </p:cNvPr>
+          <p:cNvSpPr>
+            <a:spLocks noGrp="1"/>
+          </p:cNvSpPr>
+          <p:nvPr>
+            <p:ph type="title"/>
+          </p:nvPr>
+        </p:nvSpPr>
+        <p:spPr/>
+        <p:txBody>
+          <a:bodyPr/>
+          <a:lstStyle/>
+          <a:p>
+            <a:r>
+              <a:rPr lang="ko-KR" altLang="en-US" dirty="0"/>
+              <a:t>질문 등록하기</a:t>
+            </a:r>
+            <a:r>
+              <a:rPr lang="en-US" altLang="ko-KR" dirty="0"/>
+              <a:t>(</a:t>
+            </a:r>
+            <a:r>
+              <a:rPr lang="ko-KR" altLang="en-US" dirty="0"/>
+              <a:t>로그인 상태</a:t>
+            </a:r>
+            <a:r>
+              <a:rPr lang="en-US" altLang="ko-KR" dirty="0"/>
+              <a:t>)</a:t>
+            </a:r>
+            <a:endParaRPr lang="ko-KR" altLang="en-US" dirty="0"/>
+          </a:p>
+        </p:txBody>
+      </p:sp>
+      <p:sp>
+        <p:nvSpPr>
+          <p:cNvPr id="3" name="내용 개체 틀 2">
+            <a:extLst>
+              <a:ext uri="{FF2B5EF4-FFF2-40B4-BE49-F238E27FC236}">
+                <a16:creationId xmlns:a16="http://schemas.microsoft.com/office/drawing/2014/main" id="{5DA6447F-FE8A-4099-997B-1086822F1247}"/>
+              </a:ext>
+            </a:extLst>
+          </p:cNvPr>
+          <p:cNvSpPr>
+            <a:spLocks noGrp="1"/>
+          </p:cNvSpPr>
+          <p:nvPr>
+            <p:ph idx="1"/>
+          </p:nvPr>
+        </p:nvSpPr>
+        <p:spPr>
+          <a:xfrm>
+            <a:off x="838200" y="1825625"/>
+            <a:ext cx="5029940" cy="4007004"/>
+          </a:xfrm>
+        </p:spPr>
+        <p:txBody>
+          <a:bodyPr/>
+          <a:lstStyle/>
+          <a:p>
+            <a:endParaRPr lang="ko-KR" altLang="en-US" dirty="0"/>
+          </a:p>
+        </p:txBody>
+      </p:sp>
+      <p:pic>
+        <p:nvPicPr>
+          <p:cNvPr id="6" name="그림 5">
+            <a:extLst>
+              <a:ext uri="{FF2B5EF4-FFF2-40B4-BE49-F238E27FC236}">
+                <a16:creationId xmlns:a16="http://schemas.microsoft.com/office/drawing/2014/main" id="{E49B1066-F5BF-4280-BF43-2D129AA1CC59}"/>
+              </a:ext>
+            </a:extLst>
+          </p:cNvPr>
+          <p:cNvPicPr>
+            <a:picLocks noChangeAspect="1"/>
+          </p:cNvPicPr>
+          <p:nvPr/>
+        </p:nvPicPr>
+        <p:blipFill>
+          <a:blip r:embed="rId2"/>
+          <a:stretch>
+            <a:fillRect/>
+          </a:stretch>
+        </p:blipFill>
+        <p:spPr>
+          <a:xfrm>
+            <a:off x="6096001" y="1825625"/>
+            <a:ext cx="4441794" cy="4039551"/>
+          </a:xfrm>
+          <a:prstGeom prst="rect">
+            <a:avLst/>
+          </a:prstGeom>
+        </p:spPr>
+      </p:pic>
+    </p:spTree>
+    <p:extLst>
+      <p:ext uri="{BB962C8B-B14F-4D97-AF65-F5344CB8AC3E}">
+        <p14:creationId xmlns:p14="http://schemas.microsoft.com/office/powerpoint/2010/main" val="3505583485"/>
+      </p:ext>
+    </p:extLst>
+  </p:cSld>
+  <p:clrMapOvr>
+    <a:masterClrMapping/>
+  </p:clrMapOvr>
+</p:sld>
+</file>
+
 <file path=ppt/slides/slide2.xml><?xml version="1.0" encoding="utf-8"?>
 <p:sld xmlns:a="http://schemas.openxmlformats.org/drawingml/2006/main" xmlns:r="http://schemas.openxmlformats.org/officeDocument/2006/relationships" xmlns:p="http://schemas.openxmlformats.org/presentationml/2006/main">
   <p:cSld>
@@ -3468,8 +4042,8 @@
         </p:nvSpPr>
         <p:spPr>
           <a:xfrm>
-            <a:off x="838200" y="1825625"/>
-            <a:ext cx="4275338" cy="4308845"/>
+            <a:off x="678402" y="1577050"/>
+            <a:ext cx="4310848" cy="5280950"/>
           </a:xfrm>
         </p:spPr>
         <p:txBody>
@@ -3550,19 +4124,59 @@
               <a:t>-&gt; </a:t>
             </a:r>
             <a:r>
-              <a:rPr lang="ko-KR" altLang="en-US"/>
+              <a:rPr lang="ko-KR" altLang="en-US" dirty="0"/>
               <a:t>해당 연도 정보 구현</a:t>
             </a:r>
+            <a:endParaRPr lang="en-US" altLang="ko-KR" dirty="0"/>
+          </a:p>
+          <a:p>
+            <a:pPr marL="0" indent="0">
+              <a:buNone/>
+            </a:pPr>
+            <a:endParaRPr lang="en-US" altLang="ko-KR" dirty="0"/>
+          </a:p>
+          <a:p>
+            <a:pPr marL="0" indent="0">
+              <a:buNone/>
+            </a:pPr>
+            <a:r>
+              <a:rPr lang="en-US" altLang="ko-KR" dirty="0"/>
+              <a:t>3. </a:t>
+            </a:r>
+            <a:r>
+              <a:rPr lang="ko-KR" altLang="en-US" dirty="0"/>
+              <a:t>게시판</a:t>
+            </a:r>
+            <a:endParaRPr lang="en-US" altLang="ko-KR" dirty="0"/>
+          </a:p>
+          <a:p>
+            <a:pPr marL="0" indent="0">
+              <a:buNone/>
+            </a:pPr>
+            <a:r>
+              <a:rPr lang="en-US" altLang="ko-KR" dirty="0"/>
+              <a:t>- </a:t>
+            </a:r>
+            <a:r>
+              <a:rPr lang="ko-KR" altLang="en-US" dirty="0"/>
+              <a:t>클릭 시 게시판 이동</a:t>
+            </a:r>
+            <a:endParaRPr lang="en-US" altLang="ko-KR" dirty="0"/>
+          </a:p>
+          <a:p>
+            <a:pPr marL="0" indent="0">
+              <a:buNone/>
+            </a:pPr>
             <a:endParaRPr lang="en-US" altLang="ko-KR" dirty="0"/>
           </a:p>
         </p:txBody>
       </p:sp>
       <p:pic>
         <p:nvPicPr>
-          <p:cNvPr id="4" name="그림 3">
-            <a:extLst>
-              <a:ext uri="{FF2B5EF4-FFF2-40B4-BE49-F238E27FC236}">
-                <a16:creationId xmlns:a16="http://schemas.microsoft.com/office/drawing/2014/main" id="{755A0B12-B3B1-4F64-9EFD-2AA820205D6A}"/>
+          <p:cNvPr id="6" name="그림 5">
+            <a:extLst>
+              <a:ext uri="{FF2B5EF4-FFF2-40B4-BE49-F238E27FC236}">
+                <a16:creationId xmlns:a16="http://schemas.microsoft.com/office/drawing/2014/main" id="{86A9261B-66AF-4C38-8820-F31B2F8A7A8B}"/>
               </a:ext>
             </a:extLst>
           </p:cNvPr>
@@ -3579,8 +4193,8 @@
         </p:blipFill>
         <p:spPr>
           <a:xfrm>
-            <a:off x="5472904" y="2183905"/>
-            <a:ext cx="6131123" cy="3460397"/>
+            <a:off x="5113538" y="1825625"/>
+            <a:ext cx="6523468" cy="3584025"/>
           </a:xfrm>
           <a:prstGeom prst="rect">
             <a:avLst/>
@@ -3739,14 +4353,14 @@
               <a:rPr lang="ko-KR" altLang="en-US" dirty="0"/>
               <a:t>누르면 답변이 </a:t>
             </a:r>
-            <a:endParaRPr lang="en-US" altLang="ko-KR"/>
+            <a:endParaRPr lang="en-US" altLang="ko-KR" dirty="0"/>
           </a:p>
           <a:p>
             <a:pPr marL="0" indent="0">
               <a:buNone/>
             </a:pPr>
             <a:r>
-              <a:rPr lang="ko-KR" altLang="en-US"/>
+              <a:rPr lang="ko-KR" altLang="en-US" dirty="0"/>
               <a:t>나오게 함</a:t>
             </a:r>
             <a:endParaRPr lang="en-US" altLang="ko-KR" dirty="0"/>
@@ -3793,6 +4407,1010 @@
     <p:extLst>
       <p:ext uri="{BB962C8B-B14F-4D97-AF65-F5344CB8AC3E}">
         <p14:creationId xmlns:p14="http://schemas.microsoft.com/office/powerpoint/2010/main" val="3634321338"/>
+      </p:ext>
+    </p:extLst>
+  </p:cSld>
+  <p:clrMapOvr>
+    <a:masterClrMapping/>
+  </p:clrMapOvr>
+</p:sld>
+</file>
+
+<file path=ppt/slides/slide4.xml><?xml version="1.0" encoding="utf-8"?>
+<p:sld xmlns:a="http://schemas.openxmlformats.org/drawingml/2006/main" xmlns:r="http://schemas.openxmlformats.org/officeDocument/2006/relationships" xmlns:p="http://schemas.openxmlformats.org/presentationml/2006/main">
+  <p:cSld>
+    <p:spTree>
+      <p:nvGrpSpPr>
+        <p:cNvPr id="1" name=""/>
+        <p:cNvGrpSpPr/>
+        <p:nvPr/>
+      </p:nvGrpSpPr>
+      <p:grpSpPr>
+        <a:xfrm>
+          <a:off x="0" y="0"/>
+          <a:ext cx="0" cy="0"/>
+          <a:chOff x="0" y="0"/>
+          <a:chExt cx="0" cy="0"/>
+        </a:xfrm>
+      </p:grpSpPr>
+      <p:sp>
+        <p:nvSpPr>
+          <p:cNvPr id="2" name="제목 1">
+            <a:extLst>
+              <a:ext uri="{FF2B5EF4-FFF2-40B4-BE49-F238E27FC236}">
+                <a16:creationId xmlns:a16="http://schemas.microsoft.com/office/drawing/2014/main" id="{A6AE4764-8B5B-434D-94DC-C63980316B3B}"/>
+              </a:ext>
+            </a:extLst>
+          </p:cNvPr>
+          <p:cNvSpPr>
+            <a:spLocks noGrp="1"/>
+          </p:cNvSpPr>
+          <p:nvPr>
+            <p:ph type="title"/>
+          </p:nvPr>
+        </p:nvSpPr>
+        <p:spPr/>
+        <p:txBody>
+          <a:bodyPr/>
+          <a:lstStyle/>
+          <a:p>
+            <a:r>
+              <a:rPr lang="ko-KR" altLang="en-US" dirty="0"/>
+              <a:t>게시판</a:t>
+            </a:r>
+            <a:r>
+              <a:rPr lang="en-US" altLang="ko-KR" dirty="0"/>
+              <a:t>(</a:t>
+            </a:r>
+            <a:r>
+              <a:rPr lang="ko-KR" altLang="en-US" dirty="0"/>
+              <a:t>전체 화면</a:t>
+            </a:r>
+            <a:r>
+              <a:rPr lang="en-US" altLang="ko-KR" dirty="0"/>
+              <a:t>)</a:t>
+            </a:r>
+            <a:endParaRPr lang="ko-KR" altLang="en-US" dirty="0"/>
+          </a:p>
+        </p:txBody>
+      </p:sp>
+      <p:sp>
+        <p:nvSpPr>
+          <p:cNvPr id="3" name="내용 개체 틀 2">
+            <a:extLst>
+              <a:ext uri="{FF2B5EF4-FFF2-40B4-BE49-F238E27FC236}">
+                <a16:creationId xmlns:a16="http://schemas.microsoft.com/office/drawing/2014/main" id="{7A2B9895-A84A-4CAA-BD14-E53D868D827A}"/>
+              </a:ext>
+            </a:extLst>
+          </p:cNvPr>
+          <p:cNvSpPr>
+            <a:spLocks noGrp="1"/>
+          </p:cNvSpPr>
+          <p:nvPr>
+            <p:ph idx="1"/>
+          </p:nvPr>
+        </p:nvSpPr>
+        <p:spPr>
+          <a:xfrm>
+            <a:off x="838200" y="1825625"/>
+            <a:ext cx="4932285" cy="4193435"/>
+          </a:xfrm>
+        </p:spPr>
+        <p:txBody>
+          <a:bodyPr/>
+          <a:lstStyle/>
+          <a:p>
+            <a:pPr marL="514350" indent="-514350">
+              <a:buAutoNum type="arabicPeriod"/>
+            </a:pPr>
+            <a:r>
+              <a:rPr lang="ko-KR" altLang="en-US" dirty="0"/>
+              <a:t>제목 내용 클릭</a:t>
+            </a:r>
+            <a:endParaRPr lang="en-US" altLang="ko-KR" dirty="0"/>
+          </a:p>
+          <a:p>
+            <a:pPr marL="0" indent="0">
+              <a:buNone/>
+            </a:pPr>
+            <a:r>
+              <a:rPr lang="en-US" altLang="ko-KR" dirty="0"/>
+              <a:t>-&gt; </a:t>
+            </a:r>
+            <a:r>
+              <a:rPr lang="ko-KR" altLang="en-US" dirty="0"/>
+              <a:t>상세 페이지 이동</a:t>
+            </a:r>
+            <a:endParaRPr lang="en-US" altLang="ko-KR" dirty="0"/>
+          </a:p>
+          <a:p>
+            <a:pPr marL="0" indent="0">
+              <a:buNone/>
+            </a:pPr>
+            <a:r>
+              <a:rPr lang="en-US" altLang="ko-KR" dirty="0"/>
+              <a:t>2. </a:t>
+            </a:r>
+            <a:r>
+              <a:rPr lang="ko-KR" altLang="en-US" dirty="0"/>
+              <a:t>하단 </a:t>
+            </a:r>
+            <a:r>
+              <a:rPr lang="ko-KR" altLang="en-US" dirty="0" err="1"/>
+              <a:t>툴바</a:t>
+            </a:r>
+            <a:endParaRPr lang="en-US" altLang="ko-KR" dirty="0"/>
+          </a:p>
+          <a:p>
+            <a:pPr marL="0" indent="0">
+              <a:buNone/>
+            </a:pPr>
+            <a:r>
+              <a:rPr lang="en-US" altLang="ko-KR" dirty="0"/>
+              <a:t>-&gt; </a:t>
+            </a:r>
+            <a:r>
+              <a:rPr lang="ko-KR" altLang="en-US" dirty="0"/>
+              <a:t>비동기 </a:t>
+            </a:r>
+            <a:r>
+              <a:rPr lang="ko-KR" altLang="en-US" dirty="0" err="1"/>
+              <a:t>페이징</a:t>
+            </a:r>
+            <a:r>
+              <a:rPr lang="ko-KR" altLang="en-US" dirty="0"/>
+              <a:t> 기능</a:t>
+            </a:r>
+            <a:endParaRPr lang="en-US" altLang="ko-KR" dirty="0"/>
+          </a:p>
+          <a:p>
+            <a:pPr marL="0" indent="0">
+              <a:buNone/>
+            </a:pPr>
+            <a:r>
+              <a:rPr lang="en-US" altLang="ko-KR" dirty="0"/>
+              <a:t>3. </a:t>
+            </a:r>
+            <a:r>
+              <a:rPr lang="ko-KR" altLang="en-US" dirty="0"/>
+              <a:t>질문 등록하기</a:t>
+            </a:r>
+            <a:endParaRPr lang="en-US" altLang="ko-KR" dirty="0"/>
+          </a:p>
+          <a:p>
+            <a:pPr marL="0" indent="0">
+              <a:buNone/>
+            </a:pPr>
+            <a:endParaRPr lang="ko-KR" altLang="en-US" dirty="0"/>
+          </a:p>
+        </p:txBody>
+      </p:sp>
+      <p:pic>
+        <p:nvPicPr>
+          <p:cNvPr id="4" name="그림 3">
+            <a:extLst>
+              <a:ext uri="{FF2B5EF4-FFF2-40B4-BE49-F238E27FC236}">
+                <a16:creationId xmlns:a16="http://schemas.microsoft.com/office/drawing/2014/main" id="{2FD858E5-1CD8-401B-8044-9C0E14B39E96}"/>
+              </a:ext>
+            </a:extLst>
+          </p:cNvPr>
+          <p:cNvPicPr>
+            <a:picLocks noChangeAspect="1"/>
+          </p:cNvPicPr>
+          <p:nvPr/>
+        </p:nvPicPr>
+        <p:blipFill>
+          <a:blip r:embed="rId2"/>
+          <a:stretch>
+            <a:fillRect/>
+          </a:stretch>
+        </p:blipFill>
+        <p:spPr>
+          <a:xfrm>
+            <a:off x="5770485" y="1896477"/>
+            <a:ext cx="5977631" cy="2236123"/>
+          </a:xfrm>
+          <a:prstGeom prst="rect">
+            <a:avLst/>
+          </a:prstGeom>
+        </p:spPr>
+      </p:pic>
+    </p:spTree>
+    <p:extLst>
+      <p:ext uri="{BB962C8B-B14F-4D97-AF65-F5344CB8AC3E}">
+        <p14:creationId xmlns:p14="http://schemas.microsoft.com/office/powerpoint/2010/main" val="265859937"/>
+      </p:ext>
+    </p:extLst>
+  </p:cSld>
+  <p:clrMapOvr>
+    <a:masterClrMapping/>
+  </p:clrMapOvr>
+</p:sld>
+</file>
+
+<file path=ppt/slides/slide5.xml><?xml version="1.0" encoding="utf-8"?>
+<p:sld xmlns:a="http://schemas.openxmlformats.org/drawingml/2006/main" xmlns:r="http://schemas.openxmlformats.org/officeDocument/2006/relationships" xmlns:p="http://schemas.openxmlformats.org/presentationml/2006/main">
+  <p:cSld>
+    <p:spTree>
+      <p:nvGrpSpPr>
+        <p:cNvPr id="1" name=""/>
+        <p:cNvGrpSpPr/>
+        <p:nvPr/>
+      </p:nvGrpSpPr>
+      <p:grpSpPr>
+        <a:xfrm>
+          <a:off x="0" y="0"/>
+          <a:ext cx="0" cy="0"/>
+          <a:chOff x="0" y="0"/>
+          <a:chExt cx="0" cy="0"/>
+        </a:xfrm>
+      </p:grpSpPr>
+      <p:sp>
+        <p:nvSpPr>
+          <p:cNvPr id="2" name="제목 1">
+            <a:extLst>
+              <a:ext uri="{FF2B5EF4-FFF2-40B4-BE49-F238E27FC236}">
+                <a16:creationId xmlns:a16="http://schemas.microsoft.com/office/drawing/2014/main" id="{FCC16172-3D92-4888-AC09-5B14651D170D}"/>
+              </a:ext>
+            </a:extLst>
+          </p:cNvPr>
+          <p:cNvSpPr>
+            <a:spLocks noGrp="1"/>
+          </p:cNvSpPr>
+          <p:nvPr>
+            <p:ph type="title"/>
+          </p:nvPr>
+        </p:nvSpPr>
+        <p:spPr/>
+        <p:txBody>
+          <a:bodyPr/>
+          <a:lstStyle/>
+          <a:p>
+            <a:r>
+              <a:rPr lang="ko-KR" altLang="en-US" dirty="0"/>
+              <a:t>계정 생성 페이지</a:t>
+            </a:r>
+          </a:p>
+        </p:txBody>
+      </p:sp>
+      <p:sp>
+        <p:nvSpPr>
+          <p:cNvPr id="3" name="내용 개체 틀 2">
+            <a:extLst>
+              <a:ext uri="{FF2B5EF4-FFF2-40B4-BE49-F238E27FC236}">
+                <a16:creationId xmlns:a16="http://schemas.microsoft.com/office/drawing/2014/main" id="{415578CA-E348-4472-844A-0370D8BA696F}"/>
+              </a:ext>
+            </a:extLst>
+          </p:cNvPr>
+          <p:cNvSpPr>
+            <a:spLocks noGrp="1"/>
+          </p:cNvSpPr>
+          <p:nvPr>
+            <p:ph idx="1"/>
+          </p:nvPr>
+        </p:nvSpPr>
+        <p:spPr>
+          <a:xfrm>
+            <a:off x="838200" y="1825625"/>
+            <a:ext cx="4825753" cy="4548542"/>
+          </a:xfrm>
+        </p:spPr>
+        <p:txBody>
+          <a:bodyPr/>
+          <a:lstStyle/>
+          <a:p>
+            <a:r>
+              <a:rPr lang="ko-KR" altLang="en-US" dirty="0"/>
+              <a:t>사용자 이름</a:t>
+            </a:r>
+            <a:r>
+              <a:rPr lang="en-US" altLang="ko-KR" dirty="0"/>
+              <a:t>, </a:t>
+            </a:r>
+            <a:r>
+              <a:rPr lang="ko-KR" altLang="en-US" dirty="0"/>
+              <a:t>비밀번호</a:t>
+            </a:r>
+            <a:r>
+              <a:rPr lang="en-US" altLang="ko-KR" dirty="0"/>
+              <a:t>,</a:t>
+            </a:r>
+          </a:p>
+          <a:p>
+            <a:pPr marL="0" indent="0">
+              <a:buNone/>
+            </a:pPr>
+            <a:r>
+              <a:rPr lang="ko-KR" altLang="en-US" dirty="0"/>
+              <a:t>이메일 입력 </a:t>
+            </a:r>
+            <a:endParaRPr lang="en-US" altLang="ko-KR" dirty="0"/>
+          </a:p>
+          <a:p>
+            <a:pPr marL="0" indent="0">
+              <a:buNone/>
+            </a:pPr>
+            <a:r>
+              <a:rPr lang="en-US" altLang="ko-KR" dirty="0"/>
+              <a:t>-&gt; </a:t>
+            </a:r>
+            <a:r>
+              <a:rPr lang="ko-KR" altLang="en-US" dirty="0"/>
+              <a:t>계정 생성 가능</a:t>
+            </a:r>
+          </a:p>
+        </p:txBody>
+      </p:sp>
+      <p:pic>
+        <p:nvPicPr>
+          <p:cNvPr id="4" name="그림 3">
+            <a:extLst>
+              <a:ext uri="{FF2B5EF4-FFF2-40B4-BE49-F238E27FC236}">
+                <a16:creationId xmlns:a16="http://schemas.microsoft.com/office/drawing/2014/main" id="{8134409D-1DC0-41F4-8A11-45BB410AAC7C}"/>
+              </a:ext>
+            </a:extLst>
+          </p:cNvPr>
+          <p:cNvPicPr>
+            <a:picLocks noChangeAspect="1"/>
+          </p:cNvPicPr>
+          <p:nvPr/>
+        </p:nvPicPr>
+        <p:blipFill>
+          <a:blip r:embed="rId2"/>
+          <a:stretch>
+            <a:fillRect/>
+          </a:stretch>
+        </p:blipFill>
+        <p:spPr>
+          <a:xfrm>
+            <a:off x="6029094" y="2314251"/>
+            <a:ext cx="5495925" cy="3152775"/>
+          </a:xfrm>
+          <a:prstGeom prst="rect">
+            <a:avLst/>
+          </a:prstGeom>
+        </p:spPr>
+      </p:pic>
+    </p:spTree>
+    <p:extLst>
+      <p:ext uri="{BB962C8B-B14F-4D97-AF65-F5344CB8AC3E}">
+        <p14:creationId xmlns:p14="http://schemas.microsoft.com/office/powerpoint/2010/main" val="1718583595"/>
+      </p:ext>
+    </p:extLst>
+  </p:cSld>
+  <p:clrMapOvr>
+    <a:masterClrMapping/>
+  </p:clrMapOvr>
+</p:sld>
+</file>
+
+<file path=ppt/slides/slide6.xml><?xml version="1.0" encoding="utf-8"?>
+<p:sld xmlns:a="http://schemas.openxmlformats.org/drawingml/2006/main" xmlns:r="http://schemas.openxmlformats.org/officeDocument/2006/relationships" xmlns:p="http://schemas.openxmlformats.org/presentationml/2006/main">
+  <p:cSld>
+    <p:spTree>
+      <p:nvGrpSpPr>
+        <p:cNvPr id="1" name=""/>
+        <p:cNvGrpSpPr/>
+        <p:nvPr/>
+      </p:nvGrpSpPr>
+      <p:grpSpPr>
+        <a:xfrm>
+          <a:off x="0" y="0"/>
+          <a:ext cx="0" cy="0"/>
+          <a:chOff x="0" y="0"/>
+          <a:chExt cx="0" cy="0"/>
+        </a:xfrm>
+      </p:grpSpPr>
+      <p:sp>
+        <p:nvSpPr>
+          <p:cNvPr id="2" name="제목 1">
+            <a:extLst>
+              <a:ext uri="{FF2B5EF4-FFF2-40B4-BE49-F238E27FC236}">
+                <a16:creationId xmlns:a16="http://schemas.microsoft.com/office/drawing/2014/main" id="{D0C5F208-2BC1-4A01-82CB-A80CA9AC46A6}"/>
+              </a:ext>
+            </a:extLst>
+          </p:cNvPr>
+          <p:cNvSpPr>
+            <a:spLocks noGrp="1"/>
+          </p:cNvSpPr>
+          <p:nvPr>
+            <p:ph type="title"/>
+          </p:nvPr>
+        </p:nvSpPr>
+        <p:spPr/>
+        <p:txBody>
+          <a:bodyPr/>
+          <a:lstStyle/>
+          <a:p>
+            <a:r>
+              <a:rPr lang="ko-KR" altLang="en-US" dirty="0"/>
+              <a:t>로그인 페이지</a:t>
+            </a:r>
+          </a:p>
+        </p:txBody>
+      </p:sp>
+      <p:sp>
+        <p:nvSpPr>
+          <p:cNvPr id="3" name="내용 개체 틀 2">
+            <a:extLst>
+              <a:ext uri="{FF2B5EF4-FFF2-40B4-BE49-F238E27FC236}">
+                <a16:creationId xmlns:a16="http://schemas.microsoft.com/office/drawing/2014/main" id="{FD4699E8-D00A-4FF2-BC31-0D4405EB1517}"/>
+              </a:ext>
+            </a:extLst>
+          </p:cNvPr>
+          <p:cNvSpPr>
+            <a:spLocks noGrp="1"/>
+          </p:cNvSpPr>
+          <p:nvPr>
+            <p:ph idx="1"/>
+          </p:nvPr>
+        </p:nvSpPr>
+        <p:spPr>
+          <a:xfrm>
+            <a:off x="838200" y="1825625"/>
+            <a:ext cx="4879019" cy="4228946"/>
+          </a:xfrm>
+        </p:spPr>
+        <p:txBody>
+          <a:bodyPr/>
+          <a:lstStyle/>
+          <a:p>
+            <a:endParaRPr lang="ko-KR" altLang="en-US" dirty="0"/>
+          </a:p>
+        </p:txBody>
+      </p:sp>
+      <p:pic>
+        <p:nvPicPr>
+          <p:cNvPr id="4" name="그림 3">
+            <a:extLst>
+              <a:ext uri="{FF2B5EF4-FFF2-40B4-BE49-F238E27FC236}">
+                <a16:creationId xmlns:a16="http://schemas.microsoft.com/office/drawing/2014/main" id="{FCAB7B2B-84BF-4DA5-B2E4-9C9864116C85}"/>
+              </a:ext>
+            </a:extLst>
+          </p:cNvPr>
+          <p:cNvPicPr>
+            <a:picLocks noChangeAspect="1"/>
+          </p:cNvPicPr>
+          <p:nvPr/>
+        </p:nvPicPr>
+        <p:blipFill>
+          <a:blip r:embed="rId2"/>
+          <a:stretch>
+            <a:fillRect/>
+          </a:stretch>
+        </p:blipFill>
+        <p:spPr>
+          <a:xfrm>
+            <a:off x="6096000" y="2523293"/>
+            <a:ext cx="4629150" cy="2095500"/>
+          </a:xfrm>
+          <a:prstGeom prst="rect">
+            <a:avLst/>
+          </a:prstGeom>
+        </p:spPr>
+      </p:pic>
+    </p:spTree>
+    <p:extLst>
+      <p:ext uri="{BB962C8B-B14F-4D97-AF65-F5344CB8AC3E}">
+        <p14:creationId xmlns:p14="http://schemas.microsoft.com/office/powerpoint/2010/main" val="1181886109"/>
+      </p:ext>
+    </p:extLst>
+  </p:cSld>
+  <p:clrMapOvr>
+    <a:masterClrMapping/>
+  </p:clrMapOvr>
+</p:sld>
+</file>
+
+<file path=ppt/slides/slide7.xml><?xml version="1.0" encoding="utf-8"?>
+<p:sld xmlns:a="http://schemas.openxmlformats.org/drawingml/2006/main" xmlns:r="http://schemas.openxmlformats.org/officeDocument/2006/relationships" xmlns:p="http://schemas.openxmlformats.org/presentationml/2006/main">
+  <p:cSld>
+    <p:spTree>
+      <p:nvGrpSpPr>
+        <p:cNvPr id="1" name=""/>
+        <p:cNvGrpSpPr/>
+        <p:nvPr/>
+      </p:nvGrpSpPr>
+      <p:grpSpPr>
+        <a:xfrm>
+          <a:off x="0" y="0"/>
+          <a:ext cx="0" cy="0"/>
+          <a:chOff x="0" y="0"/>
+          <a:chExt cx="0" cy="0"/>
+        </a:xfrm>
+      </p:grpSpPr>
+      <p:sp>
+        <p:nvSpPr>
+          <p:cNvPr id="2" name="제목 1">
+            <a:extLst>
+              <a:ext uri="{FF2B5EF4-FFF2-40B4-BE49-F238E27FC236}">
+                <a16:creationId xmlns:a16="http://schemas.microsoft.com/office/drawing/2014/main" id="{FB2F0A2E-51D6-4341-B2E6-1A2EF74C88CA}"/>
+              </a:ext>
+            </a:extLst>
+          </p:cNvPr>
+          <p:cNvSpPr>
+            <a:spLocks noGrp="1"/>
+          </p:cNvSpPr>
+          <p:nvPr>
+            <p:ph type="title"/>
+          </p:nvPr>
+        </p:nvSpPr>
+        <p:spPr/>
+        <p:txBody>
+          <a:bodyPr/>
+          <a:lstStyle/>
+          <a:p>
+            <a:r>
+              <a:rPr lang="ko-KR" altLang="en-US" dirty="0"/>
+              <a:t>게시판 내용 페이지</a:t>
+            </a:r>
+            <a:r>
+              <a:rPr lang="en-US" altLang="ko-KR" dirty="0"/>
+              <a:t> (</a:t>
+            </a:r>
+            <a:r>
+              <a:rPr lang="ko-KR" altLang="en-US" dirty="0"/>
+              <a:t>로그 아웃 상태</a:t>
+            </a:r>
+            <a:r>
+              <a:rPr lang="en-US" altLang="ko-KR" dirty="0"/>
+              <a:t>)</a:t>
+            </a:r>
+            <a:endParaRPr lang="ko-KR" altLang="en-US" dirty="0"/>
+          </a:p>
+        </p:txBody>
+      </p:sp>
+      <p:sp>
+        <p:nvSpPr>
+          <p:cNvPr id="3" name="내용 개체 틀 2">
+            <a:extLst>
+              <a:ext uri="{FF2B5EF4-FFF2-40B4-BE49-F238E27FC236}">
+                <a16:creationId xmlns:a16="http://schemas.microsoft.com/office/drawing/2014/main" id="{6FA8857C-4877-47BE-89F9-4FCF199783D8}"/>
+              </a:ext>
+            </a:extLst>
+          </p:cNvPr>
+          <p:cNvSpPr>
+            <a:spLocks noGrp="1"/>
+          </p:cNvSpPr>
+          <p:nvPr>
+            <p:ph idx="1"/>
+          </p:nvPr>
+        </p:nvSpPr>
+        <p:spPr>
+          <a:xfrm>
+            <a:off x="838200" y="1825624"/>
+            <a:ext cx="5056573" cy="4459765"/>
+          </a:xfrm>
+        </p:spPr>
+        <p:txBody>
+          <a:bodyPr/>
+          <a:lstStyle/>
+          <a:p>
+            <a:r>
+              <a:rPr lang="ko-KR" altLang="en-US" dirty="0"/>
+              <a:t>답변을 등록할 수 없도록 </a:t>
+            </a:r>
+            <a:endParaRPr lang="en-US" altLang="ko-KR" dirty="0"/>
+          </a:p>
+          <a:p>
+            <a:pPr marL="0" indent="0">
+              <a:buNone/>
+            </a:pPr>
+            <a:r>
+              <a:rPr lang="ko-KR" altLang="en-US" dirty="0"/>
+              <a:t>블록 처리함</a:t>
+            </a:r>
+          </a:p>
+        </p:txBody>
+      </p:sp>
+      <p:pic>
+        <p:nvPicPr>
+          <p:cNvPr id="4" name="그림 3">
+            <a:extLst>
+              <a:ext uri="{FF2B5EF4-FFF2-40B4-BE49-F238E27FC236}">
+                <a16:creationId xmlns:a16="http://schemas.microsoft.com/office/drawing/2014/main" id="{9E868D02-2726-425D-821D-5CD609536B49}"/>
+              </a:ext>
+            </a:extLst>
+          </p:cNvPr>
+          <p:cNvPicPr>
+            <a:picLocks noChangeAspect="1"/>
+          </p:cNvPicPr>
+          <p:nvPr/>
+        </p:nvPicPr>
+        <p:blipFill>
+          <a:blip r:embed="rId2"/>
+          <a:stretch>
+            <a:fillRect/>
+          </a:stretch>
+        </p:blipFill>
+        <p:spPr>
+          <a:xfrm>
+            <a:off x="5974672" y="2274903"/>
+            <a:ext cx="6096000" cy="3418318"/>
+          </a:xfrm>
+          <a:prstGeom prst="rect">
+            <a:avLst/>
+          </a:prstGeom>
+        </p:spPr>
+      </p:pic>
+    </p:spTree>
+    <p:extLst>
+      <p:ext uri="{BB962C8B-B14F-4D97-AF65-F5344CB8AC3E}">
+        <p14:creationId xmlns:p14="http://schemas.microsoft.com/office/powerpoint/2010/main" val="247345946"/>
+      </p:ext>
+    </p:extLst>
+  </p:cSld>
+  <p:clrMapOvr>
+    <a:masterClrMapping/>
+  </p:clrMapOvr>
+</p:sld>
+</file>
+
+<file path=ppt/slides/slide8.xml><?xml version="1.0" encoding="utf-8"?>
+<p:sld xmlns:a="http://schemas.openxmlformats.org/drawingml/2006/main" xmlns:r="http://schemas.openxmlformats.org/officeDocument/2006/relationships" xmlns:p="http://schemas.openxmlformats.org/presentationml/2006/main">
+  <p:cSld>
+    <p:spTree>
+      <p:nvGrpSpPr>
+        <p:cNvPr id="1" name=""/>
+        <p:cNvGrpSpPr/>
+        <p:nvPr/>
+      </p:nvGrpSpPr>
+      <p:grpSpPr>
+        <a:xfrm>
+          <a:off x="0" y="0"/>
+          <a:ext cx="0" cy="0"/>
+          <a:chOff x="0" y="0"/>
+          <a:chExt cx="0" cy="0"/>
+        </a:xfrm>
+      </p:grpSpPr>
+      <p:sp>
+        <p:nvSpPr>
+          <p:cNvPr id="2" name="제목 1">
+            <a:extLst>
+              <a:ext uri="{FF2B5EF4-FFF2-40B4-BE49-F238E27FC236}">
+                <a16:creationId xmlns:a16="http://schemas.microsoft.com/office/drawing/2014/main" id="{3C1EC65F-1B23-4DCB-BAF9-0F04AB97D02A}"/>
+              </a:ext>
+            </a:extLst>
+          </p:cNvPr>
+          <p:cNvSpPr>
+            <a:spLocks noGrp="1"/>
+          </p:cNvSpPr>
+          <p:nvPr>
+            <p:ph type="title"/>
+          </p:nvPr>
+        </p:nvSpPr>
+        <p:spPr/>
+        <p:txBody>
+          <a:bodyPr/>
+          <a:lstStyle/>
+          <a:p>
+            <a:r>
+              <a:rPr lang="ko-KR" altLang="en-US" dirty="0"/>
+              <a:t>게시판 내용 페이지</a:t>
+            </a:r>
+            <a:r>
+              <a:rPr lang="en-US" altLang="ko-KR" dirty="0"/>
+              <a:t> (</a:t>
+            </a:r>
+            <a:r>
+              <a:rPr lang="ko-KR" altLang="en-US" dirty="0"/>
+              <a:t>로그 아웃 상태</a:t>
+            </a:r>
+            <a:r>
+              <a:rPr lang="en-US" altLang="ko-KR" dirty="0"/>
+              <a:t>)</a:t>
+            </a:r>
+            <a:endParaRPr lang="ko-KR" altLang="en-US" dirty="0"/>
+          </a:p>
+        </p:txBody>
+      </p:sp>
+      <p:sp>
+        <p:nvSpPr>
+          <p:cNvPr id="3" name="내용 개체 틀 2">
+            <a:extLst>
+              <a:ext uri="{FF2B5EF4-FFF2-40B4-BE49-F238E27FC236}">
+                <a16:creationId xmlns:a16="http://schemas.microsoft.com/office/drawing/2014/main" id="{EB360AC0-F1E3-4664-ACCD-558E62FEAC72}"/>
+              </a:ext>
+            </a:extLst>
+          </p:cNvPr>
+          <p:cNvSpPr>
+            <a:spLocks noGrp="1"/>
+          </p:cNvSpPr>
+          <p:nvPr>
+            <p:ph idx="1"/>
+          </p:nvPr>
+        </p:nvSpPr>
+        <p:spPr>
+          <a:xfrm>
+            <a:off x="838200" y="1825625"/>
+            <a:ext cx="4967796" cy="4388744"/>
+          </a:xfrm>
+        </p:spPr>
+        <p:txBody>
+          <a:bodyPr/>
+          <a:lstStyle/>
+          <a:p>
+            <a:pPr marL="0" indent="0">
+              <a:buNone/>
+            </a:pPr>
+            <a:r>
+              <a:rPr lang="en-US" altLang="ko-KR" dirty="0"/>
+              <a:t>1. </a:t>
+            </a:r>
+            <a:r>
+              <a:rPr lang="ko-KR" altLang="en-US" dirty="0"/>
+              <a:t>자신이 작성한 글일 경우</a:t>
+            </a:r>
+            <a:endParaRPr lang="en-US" altLang="ko-KR" dirty="0"/>
+          </a:p>
+          <a:p>
+            <a:pPr marL="0" indent="0">
+              <a:buNone/>
+            </a:pPr>
+            <a:r>
+              <a:rPr lang="en-US" altLang="ko-KR" dirty="0"/>
+              <a:t>-&gt; </a:t>
+            </a:r>
+            <a:r>
+              <a:rPr lang="ko-KR" altLang="en-US" dirty="0"/>
+              <a:t>수정</a:t>
+            </a:r>
+            <a:r>
+              <a:rPr lang="en-US" altLang="ko-KR" dirty="0"/>
+              <a:t>, </a:t>
+            </a:r>
+            <a:r>
+              <a:rPr lang="ko-KR" altLang="en-US" dirty="0"/>
+              <a:t>삭제 가능하게 함</a:t>
+            </a:r>
+            <a:endParaRPr lang="en-US" altLang="ko-KR" dirty="0"/>
+          </a:p>
+          <a:p>
+            <a:pPr marL="0" indent="0">
+              <a:buNone/>
+            </a:pPr>
+            <a:endParaRPr lang="en-US" altLang="ko-KR" dirty="0"/>
+          </a:p>
+          <a:p>
+            <a:pPr marL="0" indent="0">
+              <a:buNone/>
+            </a:pPr>
+            <a:r>
+              <a:rPr lang="en-US" altLang="ko-KR" dirty="0"/>
+              <a:t>2. </a:t>
+            </a:r>
+            <a:r>
+              <a:rPr lang="ko-KR" altLang="en-US" dirty="0"/>
+              <a:t>자신이 작성한 답변일 경우</a:t>
+            </a:r>
+            <a:endParaRPr lang="en-US" altLang="ko-KR" dirty="0"/>
+          </a:p>
+          <a:p>
+            <a:pPr marL="0" indent="0">
+              <a:buNone/>
+            </a:pPr>
+            <a:r>
+              <a:rPr lang="en-US" altLang="ko-KR" dirty="0"/>
+              <a:t>-&gt; </a:t>
+            </a:r>
+            <a:r>
+              <a:rPr lang="ko-KR" altLang="en-US" dirty="0"/>
+              <a:t>수정</a:t>
+            </a:r>
+            <a:r>
+              <a:rPr lang="en-US" altLang="ko-KR" dirty="0"/>
+              <a:t>, </a:t>
+            </a:r>
+            <a:r>
+              <a:rPr lang="ko-KR" altLang="en-US" dirty="0"/>
+              <a:t>삭제 가능하게 함</a:t>
+            </a:r>
+            <a:endParaRPr lang="en-US" altLang="ko-KR" dirty="0"/>
+          </a:p>
+          <a:p>
+            <a:pPr marL="0" indent="0">
+              <a:buNone/>
+            </a:pPr>
+            <a:endParaRPr lang="ko-KR" altLang="en-US" dirty="0"/>
+          </a:p>
+        </p:txBody>
+      </p:sp>
+      <p:pic>
+        <p:nvPicPr>
+          <p:cNvPr id="4" name="그림 3">
+            <a:extLst>
+              <a:ext uri="{FF2B5EF4-FFF2-40B4-BE49-F238E27FC236}">
+                <a16:creationId xmlns:a16="http://schemas.microsoft.com/office/drawing/2014/main" id="{16C046DC-37B1-4A40-A30D-536919CCBA5D}"/>
+              </a:ext>
+            </a:extLst>
+          </p:cNvPr>
+          <p:cNvPicPr>
+            <a:picLocks noChangeAspect="1"/>
+          </p:cNvPicPr>
+          <p:nvPr/>
+        </p:nvPicPr>
+        <p:blipFill>
+          <a:blip r:embed="rId2"/>
+          <a:stretch>
+            <a:fillRect/>
+          </a:stretch>
+        </p:blipFill>
+        <p:spPr>
+          <a:xfrm>
+            <a:off x="5985284" y="2239393"/>
+            <a:ext cx="5368516" cy="3429000"/>
+          </a:xfrm>
+          <a:prstGeom prst="rect">
+            <a:avLst/>
+          </a:prstGeom>
+        </p:spPr>
+      </p:pic>
+    </p:spTree>
+    <p:extLst>
+      <p:ext uri="{BB962C8B-B14F-4D97-AF65-F5344CB8AC3E}">
+        <p14:creationId xmlns:p14="http://schemas.microsoft.com/office/powerpoint/2010/main" val="3000758044"/>
+      </p:ext>
+    </p:extLst>
+  </p:cSld>
+  <p:clrMapOvr>
+    <a:masterClrMapping/>
+  </p:clrMapOvr>
+</p:sld>
+</file>
+
+<file path=ppt/slides/slide9.xml><?xml version="1.0" encoding="utf-8"?>
+<p:sld xmlns:a="http://schemas.openxmlformats.org/drawingml/2006/main" xmlns:r="http://schemas.openxmlformats.org/officeDocument/2006/relationships" xmlns:p="http://schemas.openxmlformats.org/presentationml/2006/main">
+  <p:cSld>
+    <p:spTree>
+      <p:nvGrpSpPr>
+        <p:cNvPr id="1" name=""/>
+        <p:cNvGrpSpPr/>
+        <p:nvPr/>
+      </p:nvGrpSpPr>
+      <p:grpSpPr>
+        <a:xfrm>
+          <a:off x="0" y="0"/>
+          <a:ext cx="0" cy="0"/>
+          <a:chOff x="0" y="0"/>
+          <a:chExt cx="0" cy="0"/>
+        </a:xfrm>
+      </p:grpSpPr>
+      <p:sp>
+        <p:nvSpPr>
+          <p:cNvPr id="2" name="제목 1">
+            <a:extLst>
+              <a:ext uri="{FF2B5EF4-FFF2-40B4-BE49-F238E27FC236}">
+                <a16:creationId xmlns:a16="http://schemas.microsoft.com/office/drawing/2014/main" id="{553D457B-D96E-4F7B-8E74-8C87F6553C51}"/>
+              </a:ext>
+            </a:extLst>
+          </p:cNvPr>
+          <p:cNvSpPr>
+            <a:spLocks noGrp="1"/>
+          </p:cNvSpPr>
+          <p:nvPr>
+            <p:ph type="title"/>
+          </p:nvPr>
+        </p:nvSpPr>
+        <p:spPr/>
+        <p:txBody>
+          <a:bodyPr/>
+          <a:lstStyle/>
+          <a:p>
+            <a:r>
+              <a:rPr lang="ko-KR" altLang="en-US" dirty="0"/>
+              <a:t>질문 등록하기</a:t>
+            </a:r>
+            <a:r>
+              <a:rPr lang="en-US" altLang="ko-KR" dirty="0"/>
+              <a:t>(</a:t>
+            </a:r>
+            <a:r>
+              <a:rPr lang="ko-KR" altLang="en-US" dirty="0"/>
+              <a:t>로그아웃 상태</a:t>
+            </a:r>
+            <a:r>
+              <a:rPr lang="en-US" altLang="ko-KR" dirty="0"/>
+              <a:t>)</a:t>
+            </a:r>
+            <a:endParaRPr lang="ko-KR" altLang="en-US" dirty="0"/>
+          </a:p>
+        </p:txBody>
+      </p:sp>
+      <p:sp>
+        <p:nvSpPr>
+          <p:cNvPr id="3" name="내용 개체 틀 2">
+            <a:extLst>
+              <a:ext uri="{FF2B5EF4-FFF2-40B4-BE49-F238E27FC236}">
+                <a16:creationId xmlns:a16="http://schemas.microsoft.com/office/drawing/2014/main" id="{7CB6FD58-3AFC-4015-8E16-FBA6135FD823}"/>
+              </a:ext>
+            </a:extLst>
+          </p:cNvPr>
+          <p:cNvSpPr>
+            <a:spLocks noGrp="1"/>
+          </p:cNvSpPr>
+          <p:nvPr>
+            <p:ph idx="1"/>
+          </p:nvPr>
+        </p:nvSpPr>
+        <p:spPr>
+          <a:xfrm>
+            <a:off x="838200" y="1825625"/>
+            <a:ext cx="4861264" cy="4122414"/>
+          </a:xfrm>
+        </p:spPr>
+        <p:txBody>
+          <a:bodyPr/>
+          <a:lstStyle/>
+          <a:p>
+            <a:r>
+              <a:rPr lang="ko-KR" altLang="en-US" dirty="0"/>
+              <a:t>로그아웃 상태 </a:t>
+            </a:r>
+            <a:endParaRPr lang="en-US" altLang="ko-KR" dirty="0"/>
+          </a:p>
+          <a:p>
+            <a:pPr marL="0" indent="0">
+              <a:buNone/>
+            </a:pPr>
+            <a:r>
+              <a:rPr lang="en-US" altLang="ko-KR" dirty="0"/>
+              <a:t>-&gt; </a:t>
+            </a:r>
+            <a:r>
+              <a:rPr lang="ko-KR" altLang="en-US" dirty="0"/>
+              <a:t>질문 등록 불가</a:t>
+            </a:r>
+            <a:endParaRPr lang="en-US" altLang="ko-KR" dirty="0"/>
+          </a:p>
+          <a:p>
+            <a:pPr marL="0" indent="0">
+              <a:buNone/>
+            </a:pPr>
+            <a:r>
+              <a:rPr lang="en-US" altLang="ko-KR" dirty="0"/>
+              <a:t>-&gt; </a:t>
+            </a:r>
+            <a:r>
+              <a:rPr lang="ko-KR" altLang="en-US" dirty="0"/>
+              <a:t>로그인 페이지로 이동</a:t>
+            </a:r>
+          </a:p>
+        </p:txBody>
+      </p:sp>
+      <p:pic>
+        <p:nvPicPr>
+          <p:cNvPr id="4" name="그림 3">
+            <a:extLst>
+              <a:ext uri="{FF2B5EF4-FFF2-40B4-BE49-F238E27FC236}">
+                <a16:creationId xmlns:a16="http://schemas.microsoft.com/office/drawing/2014/main" id="{3EDDECC5-E6F1-436B-AAFB-D7A255552448}"/>
+              </a:ext>
+            </a:extLst>
+          </p:cNvPr>
+          <p:cNvPicPr>
+            <a:picLocks noChangeAspect="1"/>
+          </p:cNvPicPr>
+          <p:nvPr/>
+        </p:nvPicPr>
+        <p:blipFill>
+          <a:blip r:embed="rId3"/>
+          <a:stretch>
+            <a:fillRect/>
+          </a:stretch>
+        </p:blipFill>
+        <p:spPr>
+          <a:xfrm>
+            <a:off x="6400800" y="2729190"/>
+            <a:ext cx="4953000" cy="1914525"/>
+          </a:xfrm>
+          <a:prstGeom prst="rect">
+            <a:avLst/>
+          </a:prstGeom>
+        </p:spPr>
+      </p:pic>
+    </p:spTree>
+    <p:extLst>
+      <p:ext uri="{BB962C8B-B14F-4D97-AF65-F5344CB8AC3E}">
+        <p14:creationId xmlns:p14="http://schemas.microsoft.com/office/powerpoint/2010/main" val="471038308"/>
       </p:ext>
     </p:extLst>
   </p:cSld>
@@ -4095,4 +5713,299 @@
     </a:ext>
   </a:extLst>
 </a:theme>
+</file>
+
+<file path=ppt/theme/theme2.xml><?xml version="1.0" encoding="utf-8"?>
+<a:theme xmlns:a="http://schemas.openxmlformats.org/drawingml/2006/main" name="Office 테마">
+  <a:themeElements>
+    <a:clrScheme name="Office">
+      <a:dk1>
+        <a:sysClr val="windowText" lastClr="000000"/>
+      </a:dk1>
+      <a:lt1>
+        <a:sysClr val="window" lastClr="FFFFFF"/>
+      </a:lt1>
+      <a:dk2>
+        <a:srgbClr val="44546A"/>
+      </a:dk2>
+      <a:lt2>
+        <a:srgbClr val="E7E6E6"/>
+      </a:lt2>
+      <a:accent1>
+        <a:srgbClr val="4472C4"/>
+      </a:accent1>
+      <a:accent2>
+        <a:srgbClr val="ED7D31"/>
+      </a:accent2>
+      <a:accent3>
+        <a:srgbClr val="A5A5A5"/>
+      </a:accent3>
+      <a:accent4>
+        <a:srgbClr val="FFC000"/>
+      </a:accent4>
+      <a:accent5>
+        <a:srgbClr val="5B9BD5"/>
+      </a:accent5>
+      <a:accent6>
+        <a:srgbClr val="70AD47"/>
+      </a:accent6>
+      <a:hlink>
+        <a:srgbClr val="0563C1"/>
+      </a:hlink>
+      <a:folHlink>
+        <a:srgbClr val="954F72"/>
+      </a:folHlink>
+    </a:clrScheme>
+    <a:fontScheme name="Office">
+      <a:majorFont>
+        <a:latin typeface="맑은 고딕" panose="020F0302020204030204"/>
+        <a:ea typeface=""/>
+        <a:cs typeface=""/>
+        <a:font script="Jpan" typeface="游ゴシック Light"/>
+        <a:font script="Hang" typeface="맑은 고딕"/>
+        <a:font script="Hans" typeface="等线 Light"/>
+        <a:font script="Hant" typeface="新細明體"/>
+        <a:font script="Arab" typeface="Times New Roman"/>
+        <a:font script="Hebr" typeface="Times New Roman"/>
+        <a:font script="Thai" typeface="Angsana New"/>
+        <a:font script="Ethi" typeface="Nyala"/>
+        <a:font script="Beng" typeface="Vrinda"/>
+        <a:font script="Gujr" typeface="Shruti"/>
+        <a:font script="Khmr" typeface="MoolBoran"/>
+        <a:font script="Knda" typeface="Tunga"/>
+        <a:font script="Guru" typeface="Raavi"/>
+        <a:font script="Cans" typeface="Euphemia"/>
+        <a:font script="Cher" typeface="Plantagenet Cherokee"/>
+        <a:font script="Yiii" typeface="Microsoft Yi Baiti"/>
+        <a:font script="Tibt" typeface="Microsoft Himalaya"/>
+        <a:font script="Thaa" typeface="MV Boli"/>
+        <a:font script="Deva" typeface="Mangal"/>
+        <a:font script="Telu" typeface="Gautami"/>
+        <a:font script="Taml" typeface="Latha"/>
+        <a:font script="Syrc" typeface="Estrangelo Edessa"/>
+        <a:font script="Orya" typeface="Kalinga"/>
+        <a:font script="Mlym" typeface="Kartika"/>
+        <a:font script="Laoo" typeface="DokChampa"/>
+        <a:font script="Sinh" typeface="Iskoola Pota"/>
+        <a:font script="Mong" typeface="Mongolian Baiti"/>
+        <a:font script="Viet" typeface="Times New Roman"/>
+        <a:font script="Uigh" typeface="Microsoft Uighur"/>
+        <a:font script="Geor" typeface="Sylfaen"/>
+        <a:font script="Armn" typeface="Arial"/>
+        <a:font script="Bugi" typeface="Leelawadee UI"/>
+        <a:font script="Bopo" typeface="Microsoft JhengHei"/>
+        <a:font script="Java" typeface="Javanese Text"/>
+        <a:font script="Lisu" typeface="Segoe UI"/>
+        <a:font script="Mymr" typeface="Myanmar Text"/>
+        <a:font script="Nkoo" typeface="Ebrima"/>
+        <a:font script="Olck" typeface="Nirmala UI"/>
+        <a:font script="Osma" typeface="Ebrima"/>
+        <a:font script="Phag" typeface="Phagspa"/>
+        <a:font script="Syrn" typeface="Estrangelo Edessa"/>
+        <a:font script="Syrj" typeface="Estrangelo Edessa"/>
+        <a:font script="Syre" typeface="Estrangelo Edessa"/>
+        <a:font script="Sora" typeface="Nirmala UI"/>
+        <a:font script="Tale" typeface="Microsoft Tai Le"/>
+        <a:font script="Talu" typeface="Microsoft New Tai Lue"/>
+        <a:font script="Tfng" typeface="Ebrima"/>
+      </a:majorFont>
+      <a:minorFont>
+        <a:latin typeface="맑은 고딕" panose="020F0502020204030204"/>
+        <a:ea typeface=""/>
+        <a:cs typeface=""/>
+        <a:font script="Jpan" typeface="游ゴシック"/>
+        <a:font script="Hang" typeface="맑은 고딕"/>
+        <a:font script="Hans" typeface="等线"/>
+        <a:font script="Hant" typeface="新細明體"/>
+        <a:font script="Arab" typeface="Arial"/>
+        <a:font script="Hebr" typeface="Arial"/>
+        <a:font script="Thai" typeface="Cordia New"/>
+        <a:font script="Ethi" typeface="Nyala"/>
+        <a:font script="Beng" typeface="Vrinda"/>
+        <a:font script="Gujr" typeface="Shruti"/>
+        <a:font script="Khmr" typeface="DaunPenh"/>
+        <a:font script="Knda" typeface="Tunga"/>
+        <a:font script="Guru" typeface="Raavi"/>
+        <a:font script="Cans" typeface="Euphemia"/>
+        <a:font script="Cher" typeface="Plantagenet Cherokee"/>
+        <a:font script="Yiii" typeface="Microsoft Yi Baiti"/>
+        <a:font script="Tibt" typeface="Microsoft Himalaya"/>
+        <a:font script="Thaa" typeface="MV Boli"/>
+        <a:font script="Deva" typeface="Mangal"/>
+        <a:font script="Telu" typeface="Gautami"/>
+        <a:font script="Taml" typeface="Latha"/>
+        <a:font script="Syrc" typeface="Estrangelo Edessa"/>
+        <a:font script="Orya" typeface="Kalinga"/>
+        <a:font script="Mlym" typeface="Kartika"/>
+        <a:font script="Laoo" typeface="DokChampa"/>
+        <a:font script="Sinh" typeface="Iskoola Pota"/>
+        <a:font script="Mong" typeface="Mongolian Baiti"/>
+        <a:font script="Viet" typeface="Arial"/>
+        <a:font script="Uigh" typeface="Microsoft Uighur"/>
+        <a:font script="Geor" typeface="Sylfaen"/>
+        <a:font script="Armn" typeface="Arial"/>
+        <a:font script="Bugi" typeface="Leelawadee UI"/>
+        <a:font script="Bopo" typeface="Microsoft JhengHei"/>
+        <a:font script="Java" typeface="Javanese Text"/>
+        <a:font script="Lisu" typeface="Segoe UI"/>
+        <a:font script="Mymr" typeface="Myanmar Text"/>
+        <a:font script="Nkoo" typeface="Ebrima"/>
+        <a:font script="Olck" typeface="Nirmala UI"/>
+        <a:font script="Osma" typeface="Ebrima"/>
+        <a:font script="Phag" typeface="Phagspa"/>
+        <a:font script="Syrn" typeface="Estrangelo Edessa"/>
+        <a:font script="Syrj" typeface="Estrangelo Edessa"/>
+        <a:font script="Syre" typeface="Estrangelo Edessa"/>
+        <a:font script="Sora" typeface="Nirmala UI"/>
+        <a:font script="Tale" typeface="Microsoft Tai Le"/>
+        <a:font script="Talu" typeface="Microsoft New Tai Lue"/>
+        <a:font script="Tfng" typeface="Ebrima"/>
+      </a:minorFont>
+    </a:fontScheme>
+    <a:fmtScheme name="Office">
+      <a:fillStyleLst>
+        <a:solidFill>
+          <a:schemeClr val="phClr"/>
+        </a:solidFill>
+        <a:gradFill rotWithShape="1">
+          <a:gsLst>
+            <a:gs pos="0">
+              <a:schemeClr val="phClr">
+                <a:lumMod val="110000"/>
+                <a:satMod val="105000"/>
+                <a:tint val="67000"/>
+              </a:schemeClr>
+            </a:gs>
+            <a:gs pos="50000">
+              <a:schemeClr val="phClr">
+                <a:lumMod val="105000"/>
+                <a:satMod val="103000"/>
+                <a:tint val="73000"/>
+              </a:schemeClr>
+            </a:gs>
+            <a:gs pos="100000">
+              <a:schemeClr val="phClr">
+                <a:lumMod val="105000"/>
+                <a:satMod val="109000"/>
+                <a:tint val="81000"/>
+              </a:schemeClr>
+            </a:gs>
+          </a:gsLst>
+          <a:lin ang="5400000" scaled="0"/>
+        </a:gradFill>
+        <a:gradFill rotWithShape="1">
+          <a:gsLst>
+            <a:gs pos="0">
+              <a:schemeClr val="phClr">
+                <a:satMod val="103000"/>
+                <a:lumMod val="102000"/>
+                <a:tint val="94000"/>
+              </a:schemeClr>
+            </a:gs>
+            <a:gs pos="50000">
+              <a:schemeClr val="phClr">
+                <a:satMod val="110000"/>
+                <a:lumMod val="100000"/>
+                <a:shade val="100000"/>
+              </a:schemeClr>
+            </a:gs>
+            <a:gs pos="100000">
+              <a:schemeClr val="phClr">
+                <a:lumMod val="99000"/>
+                <a:satMod val="120000"/>
+                <a:shade val="78000"/>
+              </a:schemeClr>
+            </a:gs>
+          </a:gsLst>
+          <a:lin ang="5400000" scaled="0"/>
+        </a:gradFill>
+      </a:fillStyleLst>
+      <a:lnStyleLst>
+        <a:ln w="6350" cap="flat" cmpd="sng" algn="ctr">
+          <a:solidFill>
+            <a:schemeClr val="phClr"/>
+          </a:solidFill>
+          <a:prstDash val="solid"/>
+          <a:miter lim="800000"/>
+        </a:ln>
+        <a:ln w="12700" cap="flat" cmpd="sng" algn="ctr">
+          <a:solidFill>
+            <a:schemeClr val="phClr"/>
+          </a:solidFill>
+          <a:prstDash val="solid"/>
+          <a:miter lim="800000"/>
+        </a:ln>
+        <a:ln w="19050" cap="flat" cmpd="sng" algn="ctr">
+          <a:solidFill>
+            <a:schemeClr val="phClr"/>
+          </a:solidFill>
+          <a:prstDash val="solid"/>
+          <a:miter lim="800000"/>
+        </a:ln>
+      </a:lnStyleLst>
+      <a:effectStyleLst>
+        <a:effectStyle>
+          <a:effectLst/>
+        </a:effectStyle>
+        <a:effectStyle>
+          <a:effectLst/>
+        </a:effectStyle>
+        <a:effectStyle>
+          <a:effectLst>
+            <a:outerShdw blurRad="57150" dist="19050" dir="5400000" algn="ctr" rotWithShape="0">
+              <a:srgbClr val="000000">
+                <a:alpha val="63000"/>
+              </a:srgbClr>
+            </a:outerShdw>
+          </a:effectLst>
+        </a:effectStyle>
+      </a:effectStyleLst>
+      <a:bgFillStyleLst>
+        <a:solidFill>
+          <a:schemeClr val="phClr"/>
+        </a:solidFill>
+        <a:solidFill>
+          <a:schemeClr val="phClr">
+            <a:tint val="95000"/>
+            <a:satMod val="170000"/>
+          </a:schemeClr>
+        </a:solidFill>
+        <a:gradFill rotWithShape="1">
+          <a:gsLst>
+            <a:gs pos="0">
+              <a:schemeClr val="phClr">
+                <a:tint val="93000"/>
+                <a:satMod val="150000"/>
+                <a:shade val="98000"/>
+                <a:lumMod val="102000"/>
+              </a:schemeClr>
+            </a:gs>
+            <a:gs pos="50000">
+              <a:schemeClr val="phClr">
+                <a:tint val="98000"/>
+                <a:satMod val="130000"/>
+                <a:shade val="90000"/>
+                <a:lumMod val="103000"/>
+              </a:schemeClr>
+            </a:gs>
+            <a:gs pos="100000">
+              <a:schemeClr val="phClr">
+                <a:shade val="63000"/>
+                <a:satMod val="120000"/>
+              </a:schemeClr>
+            </a:gs>
+          </a:gsLst>
+          <a:lin ang="5400000" scaled="0"/>
+        </a:gradFill>
+      </a:bgFillStyleLst>
+    </a:fmtScheme>
+  </a:themeElements>
+  <a:objectDefaults/>
+  <a:extraClrSchemeLst/>
+  <a:extLst>
+    <a:ext uri="{05A4C25C-085E-4340-85A3-A5531E510DB2}">
+      <thm15:themeFamily xmlns:thm15="http://schemas.microsoft.com/office/thememl/2012/main" name="Office Theme" id="{62F939B6-93AF-4DB8-9C6B-D6C7DFDC589F}" vid="{4A3C46E8-61CC-4603-A589-7422A47A8E4A}"/>
+    </a:ext>
+  </a:extLst>
+</a:theme>
 </file>